--- a/mod_1/MIS_5400_Course_Introduction.pptx
+++ b/mod_1/MIS_5400_Course_Introduction.pptx
@@ -5,10 +5,10 @@
     <p:sldMasterId id="2147483660" r:id="rId1"/>
   </p:sldMasterIdLst>
   <p:notesMasterIdLst>
-    <p:notesMasterId r:id="rId36"/>
+    <p:notesMasterId r:id="rId35"/>
   </p:notesMasterIdLst>
   <p:handoutMasterIdLst>
-    <p:handoutMasterId r:id="rId37"/>
+    <p:handoutMasterId r:id="rId36"/>
   </p:handoutMasterIdLst>
   <p:sldIdLst>
     <p:sldId id="258" r:id="rId2"/>
@@ -35,16 +35,15 @@
     <p:sldId id="265" r:id="rId23"/>
     <p:sldId id="274" r:id="rId24"/>
     <p:sldId id="275" r:id="rId25"/>
-    <p:sldId id="293" r:id="rId26"/>
-    <p:sldId id="268" r:id="rId27"/>
-    <p:sldId id="269" r:id="rId28"/>
-    <p:sldId id="294" r:id="rId29"/>
-    <p:sldId id="299" r:id="rId30"/>
-    <p:sldId id="298" r:id="rId31"/>
-    <p:sldId id="297" r:id="rId32"/>
-    <p:sldId id="277" r:id="rId33"/>
-    <p:sldId id="291" r:id="rId34"/>
-    <p:sldId id="292" r:id="rId35"/>
+    <p:sldId id="268" r:id="rId26"/>
+    <p:sldId id="269" r:id="rId27"/>
+    <p:sldId id="294" r:id="rId28"/>
+    <p:sldId id="299" r:id="rId29"/>
+    <p:sldId id="298" r:id="rId30"/>
+    <p:sldId id="297" r:id="rId31"/>
+    <p:sldId id="277" r:id="rId32"/>
+    <p:sldId id="291" r:id="rId33"/>
+    <p:sldId id="292" r:id="rId34"/>
   </p:sldIdLst>
   <p:sldSz cx="9144000" cy="6858000" type="screen4x3"/>
   <p:notesSz cx="6858000" cy="9144000"/>
@@ -247,7 +246,7 @@
           <a:p>
             <a:fld id="{B87692F3-482F-4136-B2C1-821DB37E6B80}" type="datetimeFigureOut">
               <a:rPr lang="en-US" smtClean="0"/>
-              <a:t>8/27/2018</a:t>
+              <a:t>8/26/19</a:t>
             </a:fld>
             <a:endParaRPr lang="en-US"/>
           </a:p>
@@ -412,7 +411,7 @@
           <a:p>
             <a:fld id="{BF755CE8-895A-4F3E-B2BE-3E8BA188F8A5}" type="datetimeFigureOut">
               <a:rPr lang="en-US" smtClean="0"/>
-              <a:t>8/27/2018</a:t>
+              <a:t>8/26/19</a:t>
             </a:fld>
             <a:endParaRPr lang="en-US"/>
           </a:p>
@@ -476,38 +475,37 @@
           <a:p>
             <a:pPr lvl="0"/>
             <a:r>
-              <a:rPr lang="en-US" smtClean="0"/>
+              <a:rPr lang="en-US"/>
               <a:t>Click to edit Master text styles</a:t>
             </a:r>
           </a:p>
           <a:p>
             <a:pPr lvl="1"/>
             <a:r>
-              <a:rPr lang="en-US" smtClean="0"/>
+              <a:rPr lang="en-US"/>
               <a:t>Second level</a:t>
             </a:r>
           </a:p>
           <a:p>
             <a:pPr lvl="2"/>
             <a:r>
-              <a:rPr lang="en-US" smtClean="0"/>
+              <a:rPr lang="en-US"/>
               <a:t>Third level</a:t>
             </a:r>
           </a:p>
           <a:p>
             <a:pPr lvl="3"/>
             <a:r>
-              <a:rPr lang="en-US" smtClean="0"/>
+              <a:rPr lang="en-US"/>
               <a:t>Fourth level</a:t>
             </a:r>
           </a:p>
           <a:p>
             <a:pPr lvl="4"/>
             <a:r>
-              <a:rPr lang="en-US" smtClean="0"/>
+              <a:rPr lang="en-US"/>
               <a:t>Fifth level</a:t>
             </a:r>
-            <a:endParaRPr lang="en-US"/>
           </a:p>
         </p:txBody>
       </p:sp>
@@ -735,10 +733,9 @@
           </a:lstStyle>
           <a:p>
             <a:r>
-              <a:rPr lang="en-US" dirty="0" smtClean="0"/>
+              <a:rPr lang="en-US" dirty="0"/>
               <a:t>Click to edit Master title style</a:t>
             </a:r>
-            <a:endParaRPr lang="en-US" dirty="0"/>
           </a:p>
         </p:txBody>
       </p:sp>
@@ -785,38 +782,37 @@
           <a:p>
             <a:pPr lvl="0"/>
             <a:r>
-              <a:rPr lang="en-US" dirty="0" smtClean="0"/>
+              <a:rPr lang="en-US" dirty="0"/>
               <a:t>Click to edit Master text styles</a:t>
             </a:r>
           </a:p>
           <a:p>
             <a:pPr lvl="1"/>
             <a:r>
-              <a:rPr lang="en-US" dirty="0" smtClean="0"/>
+              <a:rPr lang="en-US" dirty="0"/>
               <a:t>Second level</a:t>
             </a:r>
           </a:p>
           <a:p>
             <a:pPr lvl="2"/>
             <a:r>
-              <a:rPr lang="en-US" dirty="0" smtClean="0"/>
+              <a:rPr lang="en-US" dirty="0"/>
               <a:t>Third level</a:t>
             </a:r>
           </a:p>
           <a:p>
             <a:pPr lvl="3"/>
             <a:r>
-              <a:rPr lang="en-US" dirty="0" smtClean="0"/>
+              <a:rPr lang="en-US" dirty="0"/>
               <a:t>Fourth level</a:t>
             </a:r>
           </a:p>
           <a:p>
             <a:pPr lvl="4"/>
             <a:r>
-              <a:rPr lang="en-US" dirty="0" smtClean="0"/>
+              <a:rPr lang="en-US" dirty="0"/>
               <a:t>Fifth level</a:t>
             </a:r>
-            <a:endParaRPr lang="en-US" dirty="0"/>
           </a:p>
         </p:txBody>
       </p:sp>
@@ -830,13 +826,6 @@
   <p:clrMapOvr>
     <a:masterClrMapping/>
   </p:clrMapOvr>
-  <p:timing>
-    <p:tnLst>
-      <p:par>
-        <p:cTn id="1" dur="indefinite" restart="never" nodeType="tmRoot"/>
-      </p:par>
-    </p:tnLst>
-  </p:timing>
   <p:hf sldNum="0" hdr="0" ftr="0" dt="0"/>
 </p:sldLayout>
 </file>
@@ -868,13 +857,6 @@
   <p:clrMapOvr>
     <a:masterClrMapping/>
   </p:clrMapOvr>
-  <p:timing>
-    <p:tnLst>
-      <p:par>
-        <p:cTn id="1" dur="indefinite" restart="never" nodeType="tmRoot"/>
-      </p:par>
-    </p:tnLst>
-  </p:timing>
 </p:sldLayout>
 </file>
 
@@ -1030,35 +1012,35 @@
           <a:p>
             <a:pPr lvl="0"/>
             <a:r>
-              <a:rPr lang="en-US" dirty="0" smtClean="0"/>
+              <a:rPr lang="en-US" dirty="0"/>
               <a:t>Click to edit Master text styles</a:t>
             </a:r>
           </a:p>
           <a:p>
             <a:pPr lvl="1"/>
             <a:r>
-              <a:rPr lang="en-US" dirty="0" smtClean="0"/>
+              <a:rPr lang="en-US" dirty="0"/>
               <a:t>Second level</a:t>
             </a:r>
           </a:p>
           <a:p>
             <a:pPr lvl="2"/>
             <a:r>
-              <a:rPr lang="en-US" dirty="0" smtClean="0"/>
+              <a:rPr lang="en-US" dirty="0"/>
               <a:t>Third level</a:t>
             </a:r>
           </a:p>
           <a:p>
             <a:pPr lvl="3"/>
             <a:r>
-              <a:rPr lang="en-US" dirty="0" smtClean="0"/>
+              <a:rPr lang="en-US" dirty="0"/>
               <a:t>Fourth level</a:t>
             </a:r>
           </a:p>
           <a:p>
             <a:pPr lvl="4"/>
             <a:r>
-              <a:rPr lang="en-US" dirty="0" smtClean="0"/>
+              <a:rPr lang="en-US" dirty="0"/>
               <a:t>Fifth level</a:t>
             </a:r>
           </a:p>
@@ -1145,7 +1127,7 @@
             <a:pPr>
               <a:defRPr/>
             </a:pPr>
-            <a:endParaRPr lang="en-US" sz="2800" b="1" kern="0" dirty="0" smtClean="0">
+            <a:endParaRPr lang="en-US" sz="2800" b="1" kern="0" dirty="0">
               <a:latin typeface="+mj-lt"/>
               <a:ea typeface="+mj-ea"/>
               <a:cs typeface="+mj-cs"/>
@@ -1165,13 +1147,6 @@
     <p:sldLayoutId id="2147483662" r:id="rId1"/>
     <p:sldLayoutId id="2147483667" r:id="rId2"/>
   </p:sldLayoutIdLst>
-  <p:timing>
-    <p:tnLst>
-      <p:par>
-        <p:cTn id="1" dur="indefinite" restart="never" nodeType="tmRoot"/>
-      </p:par>
-    </p:tnLst>
-  </p:timing>
   <p:txStyles>
     <p:titleStyle>
       <a:lvl1pPr algn="l" rtl="0" eaLnBrk="1" fontAlgn="base" hangingPunct="1">
@@ -1617,40 +1592,15 @@
                 <a:ea typeface="+mj-ea"/>
                 <a:cs typeface="+mj-cs"/>
               </a:rPr>
-              <a:t>MIS </a:t>
-            </a:r>
-            <a:r>
-              <a:rPr lang="en-US" sz="6000" b="1" kern="0" dirty="0" smtClean="0">
-                <a:solidFill>
-                  <a:schemeClr val="tx1">
-                    <a:lumMod val="65000"/>
-                    <a:lumOff val="35000"/>
-                  </a:schemeClr>
-                </a:solidFill>
-                <a:latin typeface="+mj-lt"/>
-                <a:ea typeface="+mj-ea"/>
-                <a:cs typeface="+mj-cs"/>
-              </a:rPr>
-              <a:t>5400</a:t>
-            </a:r>
-            <a:endParaRPr lang="en-US" sz="6000" b="1" kern="0" dirty="0">
-              <a:solidFill>
-                <a:schemeClr val="tx1">
-                  <a:lumMod val="65000"/>
-                  <a:lumOff val="35000"/>
-                </a:schemeClr>
-              </a:solidFill>
-              <a:latin typeface="+mj-lt"/>
-              <a:ea typeface="+mj-ea"/>
-              <a:cs typeface="+mj-cs"/>
-            </a:endParaRPr>
+              <a:t>MIS 5400</a:t>
+            </a:r>
           </a:p>
           <a:p>
             <a:pPr algn="ctr">
               <a:defRPr/>
             </a:pPr>
             <a:r>
-              <a:rPr lang="en-US" sz="4000" b="1" kern="0" dirty="0" smtClean="0">
+              <a:rPr lang="en-US" sz="4000" b="1" kern="0" dirty="0">
                 <a:solidFill>
                   <a:schemeClr val="tx1">
                     <a:lumMod val="65000"/>
@@ -1663,17 +1613,6 @@
               </a:rPr>
               <a:t>Systems &amp; Analytics Programming</a:t>
             </a:r>
-            <a:endParaRPr lang="en-US" sz="4000" b="1" kern="0" dirty="0">
-              <a:solidFill>
-                <a:schemeClr val="tx1">
-                  <a:lumMod val="65000"/>
-                  <a:lumOff val="35000"/>
-                </a:schemeClr>
-              </a:solidFill>
-              <a:latin typeface="+mj-lt"/>
-              <a:ea typeface="+mj-ea"/>
-              <a:cs typeface="+mj-cs"/>
-            </a:endParaRPr>
           </a:p>
         </p:txBody>
       </p:sp>
@@ -1713,7 +1652,7 @@
               <a:defRPr/>
             </a:pPr>
             <a:r>
-              <a:rPr lang="en-US" sz="3600" b="1" kern="0" dirty="0" smtClean="0">
+              <a:rPr lang="en-US" sz="3600" b="1" kern="0" dirty="0">
                 <a:solidFill>
                   <a:srgbClr val="002060"/>
                 </a:solidFill>
@@ -1730,7 +1669,7 @@
               <a:defRPr/>
             </a:pPr>
             <a:r>
-              <a:rPr lang="en-US" sz="3600" b="1" kern="0" dirty="0" smtClean="0">
+              <a:rPr lang="en-US" sz="3600" b="1" kern="0" dirty="0">
                 <a:solidFill>
                   <a:srgbClr val="002060"/>
                 </a:solidFill>
@@ -1738,7 +1677,7 @@
               <a:t>m</a:t>
             </a:r>
             <a:r>
-              <a:rPr lang="en-US" sz="3600" b="1" kern="0" dirty="0" smtClean="0">
+              <a:rPr lang="en-US" sz="3600" b="1" kern="0" dirty="0">
                 <a:solidFill>
                   <a:srgbClr val="002060"/>
                 </a:solidFill>
@@ -1747,13 +1686,6 @@
               </a:rPr>
               <a:t>ckelly@thepearts.com</a:t>
             </a:r>
-            <a:endParaRPr lang="en-US" sz="3600" b="1" kern="0" dirty="0">
-              <a:solidFill>
-                <a:srgbClr val="002060"/>
-              </a:solidFill>
-              <a:latin typeface="+mn-lt"/>
-              <a:cs typeface="+mn-cs"/>
-            </a:endParaRPr>
           </a:p>
         </p:txBody>
       </p:sp>
@@ -1797,13 +1729,6 @@
   <p:clrMapOvr>
     <a:masterClrMapping/>
   </p:clrMapOvr>
-  <p:timing>
-    <p:tnLst>
-      <p:par>
-        <p:cTn id="1" dur="indefinite" restart="never" nodeType="tmRoot"/>
-      </p:par>
-    </p:tnLst>
-  </p:timing>
 </p:sld>
 </file>
 
@@ -1840,10 +1765,9 @@
           <a:lstStyle/>
           <a:p>
             <a:r>
-              <a:rPr lang="en-US" dirty="0" smtClean="0"/>
+              <a:rPr lang="en-US" dirty="0"/>
               <a:t>Why Do We Program?</a:t>
             </a:r>
-            <a:endParaRPr lang="en-US" dirty="0"/>
           </a:p>
         </p:txBody>
       </p:sp>
@@ -1922,10 +1846,9 @@
           <a:lstStyle/>
           <a:p>
             <a:r>
-              <a:rPr lang="en-US" dirty="0" smtClean="0"/>
+              <a:rPr lang="en-US" dirty="0"/>
               <a:t>Programming is a Means to an End</a:t>
             </a:r>
-            <a:endParaRPr lang="en-US" dirty="0"/>
           </a:p>
         </p:txBody>
       </p:sp>
@@ -1950,13 +1873,13 @@
           <a:lstStyle/>
           <a:p>
             <a:r>
-              <a:rPr lang="en-US" dirty="0" smtClean="0"/>
+              <a:rPr lang="en-US" dirty="0"/>
               <a:t>“The single most important skill for a computer scientist is problem solving”.</a:t>
             </a:r>
           </a:p>
           <a:p>
             <a:r>
-              <a:rPr lang="en-US" dirty="0" smtClean="0"/>
+              <a:rPr lang="en-US" dirty="0"/>
               <a:t>“On one level, you will be learning to program, a useful skill by itself. On another level you will use programming as a means to an end”</a:t>
             </a:r>
           </a:p>
@@ -1964,7 +1887,7 @@
             <a:pPr marL="0" indent="0">
               <a:buNone/>
             </a:pPr>
-            <a:endParaRPr lang="en-US" dirty="0" smtClean="0"/>
+            <a:endParaRPr lang="en-US" dirty="0"/>
           </a:p>
           <a:p>
             <a:pPr marL="0" indent="0">
@@ -2050,10 +1973,9 @@
           <a:lstStyle/>
           <a:p>
             <a:r>
-              <a:rPr lang="en-US" dirty="0" smtClean="0"/>
+              <a:rPr lang="en-US" dirty="0"/>
               <a:t>Solving Problems with Programs</a:t>
             </a:r>
-            <a:endParaRPr lang="en-US" dirty="0"/>
           </a:p>
         </p:txBody>
       </p:sp>
@@ -2078,90 +2000,90 @@
           <a:lstStyle/>
           <a:p>
             <a:r>
-              <a:rPr lang="en-US" b="1" dirty="0" smtClean="0"/>
+              <a:rPr lang="en-US" b="1" dirty="0"/>
               <a:t>What is a program?</a:t>
             </a:r>
           </a:p>
           <a:p>
             <a:pPr lvl="1"/>
             <a:r>
-              <a:rPr lang="en-US" i="1" dirty="0" smtClean="0"/>
+              <a:rPr lang="en-US" i="1" dirty="0"/>
               <a:t>Sequence of </a:t>
             </a:r>
             <a:r>
-              <a:rPr lang="en-US" i="1" u="sng" dirty="0" smtClean="0"/>
+              <a:rPr lang="en-US" i="1" u="sng" dirty="0"/>
               <a:t>instructions</a:t>
             </a:r>
             <a:r>
-              <a:rPr lang="en-US" i="1" dirty="0" smtClean="0"/>
+              <a:rPr lang="en-US" i="1" dirty="0"/>
               <a:t> that specifies how to perform a computation. </a:t>
             </a:r>
           </a:p>
           <a:p>
             <a:pPr lvl="1"/>
             <a:r>
-              <a:rPr lang="en-US" dirty="0" smtClean="0"/>
+              <a:rPr lang="en-US" dirty="0"/>
               <a:t>Instructions include:</a:t>
             </a:r>
           </a:p>
           <a:p>
             <a:pPr lvl="2"/>
             <a:r>
-              <a:rPr lang="en-US" b="1" dirty="0" smtClean="0"/>
+              <a:rPr lang="en-US" b="1" dirty="0"/>
               <a:t>Input </a:t>
             </a:r>
             <a:r>
-              <a:rPr lang="en-US" dirty="0" smtClean="0"/>
+              <a:rPr lang="en-US" dirty="0"/>
               <a:t>– Get the Data.</a:t>
             </a:r>
           </a:p>
           <a:p>
             <a:pPr lvl="2"/>
             <a:r>
-              <a:rPr lang="en-US" b="1" dirty="0" smtClean="0"/>
+              <a:rPr lang="en-US" b="1" dirty="0"/>
               <a:t>Math </a:t>
             </a:r>
             <a:r>
-              <a:rPr lang="en-US" dirty="0" smtClean="0"/>
+              <a:rPr lang="en-US" dirty="0"/>
               <a:t>– Perform mathematical operators.</a:t>
             </a:r>
           </a:p>
           <a:p>
             <a:pPr lvl="2"/>
             <a:r>
-              <a:rPr lang="en-US" b="1" dirty="0" smtClean="0"/>
+              <a:rPr lang="en-US" b="1" dirty="0"/>
               <a:t>Conditional Execution </a:t>
             </a:r>
             <a:r>
-              <a:rPr lang="en-US" dirty="0" smtClean="0"/>
+              <a:rPr lang="en-US" dirty="0"/>
               <a:t>– Evaluate conditional expressions and act accordingly.</a:t>
             </a:r>
           </a:p>
           <a:p>
             <a:pPr lvl="2"/>
             <a:r>
-              <a:rPr lang="en-US" b="1" dirty="0" smtClean="0"/>
+              <a:rPr lang="en-US" b="1" dirty="0"/>
               <a:t>Repetition</a:t>
             </a:r>
             <a:r>
-              <a:rPr lang="en-US" dirty="0" smtClean="0"/>
+              <a:rPr lang="en-US" dirty="0"/>
               <a:t> – Do this multiple times, quickly.</a:t>
             </a:r>
           </a:p>
           <a:p>
             <a:pPr lvl="2"/>
             <a:r>
-              <a:rPr lang="en-US" b="1" dirty="0" smtClean="0"/>
+              <a:rPr lang="en-US" b="1" dirty="0"/>
               <a:t>Output</a:t>
             </a:r>
             <a:r>
-              <a:rPr lang="en-US" dirty="0" smtClean="0"/>
+              <a:rPr lang="en-US" dirty="0"/>
               <a:t> – Display Data to the screen, or send the data somewhere else. </a:t>
             </a:r>
           </a:p>
           <a:p>
             <a:pPr lvl="2"/>
-            <a:endParaRPr lang="en-US" dirty="0" smtClean="0"/>
+            <a:endParaRPr lang="en-US" dirty="0"/>
           </a:p>
           <a:p>
             <a:pPr marL="0" indent="0">
@@ -2256,10 +2178,9 @@
           <a:lstStyle/>
           <a:p>
             <a:r>
-              <a:rPr lang="en-US" dirty="0" smtClean="0"/>
+              <a:rPr lang="en-US" dirty="0"/>
               <a:t>High-Level vs. Low-Level Languages</a:t>
             </a:r>
-            <a:endParaRPr lang="en-US" dirty="0"/>
           </a:p>
         </p:txBody>
       </p:sp>
@@ -2284,7 +2205,7 @@
           <a:lstStyle/>
           <a:p>
             <a:r>
-              <a:rPr lang="en-US" b="1" dirty="0" smtClean="0">
+              <a:rPr lang="en-US" b="1" dirty="0">
                 <a:solidFill>
                   <a:schemeClr val="bg1"/>
                 </a:solidFill>
@@ -2292,7 +2213,7 @@
               <a:t>High-Level Language </a:t>
             </a:r>
             <a:r>
-              <a:rPr lang="en-US" dirty="0" smtClean="0">
+              <a:rPr lang="en-US" dirty="0">
                 <a:solidFill>
                   <a:schemeClr val="bg1"/>
                 </a:solidFill>
@@ -2309,7 +2230,7 @@
           </a:p>
           <a:p>
             <a:r>
-              <a:rPr lang="en-US" b="1" dirty="0" smtClean="0">
+              <a:rPr lang="en-US" b="1" dirty="0">
                 <a:solidFill>
                   <a:schemeClr val="bg1">
                     <a:lumMod val="95000"/>
@@ -2319,7 +2240,7 @@
               <a:t>Low-Level Language </a:t>
             </a:r>
             <a:r>
-              <a:rPr lang="en-US" dirty="0" smtClean="0">
+              <a:rPr lang="en-US" dirty="0">
                 <a:solidFill>
                   <a:schemeClr val="bg1">
                     <a:lumMod val="95000"/>
@@ -2331,7 +2252,7 @@
           </a:p>
           <a:p>
             <a:pPr lvl="2"/>
-            <a:endParaRPr lang="en-US" dirty="0" smtClean="0"/>
+            <a:endParaRPr lang="en-US" dirty="0"/>
           </a:p>
           <a:p>
             <a:pPr marL="0" indent="0">
@@ -2387,10 +2308,9 @@
           <a:lstStyle/>
           <a:p>
             <a:r>
-              <a:rPr lang="en-US" dirty="0" smtClean="0"/>
+              <a:rPr lang="en-US" dirty="0"/>
               <a:t>Interpreted vs Compiled</a:t>
             </a:r>
-            <a:endParaRPr lang="en-US" dirty="0"/>
           </a:p>
         </p:txBody>
       </p:sp>
@@ -2410,7 +2330,7 @@
           <a:lstStyle/>
           <a:p>
             <a:r>
-              <a:rPr lang="en-US" dirty="0" smtClean="0"/>
+              <a:rPr lang="en-US" dirty="0"/>
               <a:t>Interpreted languages rely upon an interpreter to convert source code into code that the host computer can understand (known as object code or executable) at runtime.</a:t>
             </a:r>
           </a:p>
@@ -2498,10 +2418,9 @@
           <a:lstStyle/>
           <a:p>
             <a:r>
-              <a:rPr lang="en-US" dirty="0" smtClean="0"/>
+              <a:rPr lang="en-US" dirty="0"/>
               <a:t>Interpreted vs Compiled</a:t>
             </a:r>
-            <a:endParaRPr lang="en-US" dirty="0"/>
           </a:p>
         </p:txBody>
       </p:sp>
@@ -2521,7 +2440,7 @@
           <a:lstStyle/>
           <a:p>
             <a:r>
-              <a:rPr lang="en-US" dirty="0" smtClean="0"/>
+              <a:rPr lang="en-US" dirty="0"/>
               <a:t>Compiled languages are first converted into object code (executable) and then executed by the host computer. </a:t>
             </a:r>
           </a:p>
@@ -2609,10 +2528,9 @@
           <a:lstStyle/>
           <a:p>
             <a:r>
-              <a:rPr lang="en-US" dirty="0" smtClean="0"/>
+              <a:rPr lang="en-US" dirty="0"/>
               <a:t>Interpreted vs. Compiled Languages</a:t>
             </a:r>
-            <a:endParaRPr lang="en-US" dirty="0"/>
           </a:p>
         </p:txBody>
       </p:sp>
@@ -2640,7 +2558,7 @@
               <a:buNone/>
             </a:pPr>
             <a:r>
-              <a:rPr lang="en-US" dirty="0" smtClean="0"/>
+              <a:rPr lang="en-US" dirty="0"/>
               <a:t>Interpreted</a:t>
             </a:r>
           </a:p>
@@ -2654,26 +2572,26 @@
             <a:pPr marL="914400" lvl="2" indent="0">
               <a:buNone/>
             </a:pPr>
-            <a:endParaRPr lang="en-US" dirty="0" smtClean="0"/>
+            <a:endParaRPr lang="en-US" dirty="0"/>
           </a:p>
           <a:p>
             <a:pPr marL="0" indent="0">
               <a:buNone/>
             </a:pPr>
-            <a:endParaRPr lang="en-US" dirty="0" smtClean="0"/>
+            <a:endParaRPr lang="en-US" dirty="0"/>
           </a:p>
           <a:p>
             <a:pPr marL="0" indent="0">
               <a:buNone/>
             </a:pPr>
-            <a:endParaRPr lang="en-US" dirty="0" smtClean="0"/>
+            <a:endParaRPr lang="en-US" dirty="0"/>
           </a:p>
           <a:p>
             <a:pPr marL="0" indent="0">
               <a:buNone/>
             </a:pPr>
             <a:r>
-              <a:rPr lang="en-US" dirty="0" smtClean="0"/>
+              <a:rPr lang="en-US" dirty="0"/>
               <a:t>Compiled</a:t>
             </a:r>
           </a:p>
@@ -2797,10 +2715,9 @@
           <a:lstStyle/>
           <a:p>
             <a:r>
-              <a:rPr lang="en-US" dirty="0" smtClean="0"/>
+              <a:rPr lang="en-US" dirty="0"/>
               <a:t>Values and Types</a:t>
             </a:r>
-            <a:endParaRPr lang="en-US" dirty="0"/>
           </a:p>
         </p:txBody>
       </p:sp>
@@ -2820,59 +2737,59 @@
           <a:lstStyle/>
           <a:p>
             <a:r>
-              <a:rPr lang="en-US" dirty="0" smtClean="0"/>
+              <a:rPr lang="en-US" dirty="0"/>
               <a:t>A </a:t>
             </a:r>
             <a:r>
-              <a:rPr lang="en-US" b="1" dirty="0" smtClean="0"/>
+              <a:rPr lang="en-US" b="1" dirty="0"/>
               <a:t>value </a:t>
             </a:r>
             <a:r>
-              <a:rPr lang="en-US" dirty="0" smtClean="0"/>
+              <a:rPr lang="en-US" dirty="0"/>
               <a:t>is an actual number, character (string) or other </a:t>
             </a:r>
             <a:r>
-              <a:rPr lang="en-US" u="sng" dirty="0" smtClean="0"/>
+              <a:rPr lang="en-US" u="sng" dirty="0"/>
               <a:t>object</a:t>
             </a:r>
             <a:r>
-              <a:rPr lang="en-US" dirty="0" smtClean="0"/>
+              <a:rPr lang="en-US" dirty="0"/>
               <a:t> used in a program.</a:t>
             </a:r>
           </a:p>
           <a:p>
             <a:pPr lvl="1"/>
             <a:r>
-              <a:rPr lang="en-US" dirty="0" smtClean="0"/>
+              <a:rPr lang="en-US" dirty="0"/>
               <a:t>13 (</a:t>
             </a:r>
             <a:r>
-              <a:rPr lang="en-US" dirty="0" err="1" smtClean="0"/>
+              <a:rPr lang="en-US" dirty="0" err="1"/>
               <a:t>int</a:t>
             </a:r>
             <a:r>
-              <a:rPr lang="en-US" dirty="0" smtClean="0"/>
+              <a:rPr lang="en-US" dirty="0"/>
               <a:t>)</a:t>
             </a:r>
           </a:p>
           <a:p>
             <a:pPr lvl="1"/>
             <a:r>
-              <a:rPr lang="en-US" dirty="0" smtClean="0"/>
+              <a:rPr lang="en-US" dirty="0"/>
               <a:t>‘Fat Cats’ (string)</a:t>
             </a:r>
           </a:p>
           <a:p>
             <a:pPr lvl="1"/>
             <a:r>
-              <a:rPr lang="en-US" dirty="0" smtClean="0"/>
+              <a:rPr lang="en-US" dirty="0"/>
               <a:t>5.0 (float)</a:t>
             </a:r>
           </a:p>
           <a:p>
             <a:pPr lvl="1"/>
             <a:r>
-              <a:rPr lang="en-US" dirty="0" smtClean="0"/>
+              <a:rPr lang="en-US" dirty="0"/>
               <a:t>Mustang (Car)</a:t>
             </a:r>
           </a:p>
@@ -2880,29 +2797,29 @@
             <a:pPr marL="457200" lvl="1" indent="0">
               <a:buNone/>
             </a:pPr>
-            <a:endParaRPr lang="en-US" dirty="0" smtClean="0"/>
-          </a:p>
-          <a:p>
-            <a:r>
-              <a:rPr lang="en-US" dirty="0" smtClean="0"/>
+            <a:endParaRPr lang="en-US" dirty="0"/>
+          </a:p>
+          <a:p>
+            <a:r>
+              <a:rPr lang="en-US" dirty="0"/>
               <a:t>All values have a </a:t>
             </a:r>
             <a:r>
-              <a:rPr lang="en-US" b="1" dirty="0" smtClean="0"/>
+              <a:rPr lang="en-US" b="1" dirty="0"/>
               <a:t>type. </a:t>
             </a:r>
             <a:br>
-              <a:rPr lang="en-US" b="1" dirty="0" smtClean="0"/>
+              <a:rPr lang="en-US" b="1" dirty="0"/>
             </a:br>
             <a:r>
-              <a:rPr lang="en-US" b="1" dirty="0" smtClean="0">
+              <a:rPr lang="en-US" b="1" dirty="0">
                 <a:latin typeface="Courier New" panose="02070309020205020404" pitchFamily="49" charset="0"/>
                 <a:cs typeface="Courier New" panose="02070309020205020404" pitchFamily="49" charset="0"/>
               </a:rPr>
               <a:t>&gt;&gt;&gt; </a:t>
             </a:r>
             <a:r>
-              <a:rPr lang="en-US" dirty="0" smtClean="0">
+              <a:rPr lang="en-US" dirty="0">
                 <a:latin typeface="Courier New" panose="02070309020205020404" pitchFamily="49" charset="0"/>
                 <a:cs typeface="Courier New" panose="02070309020205020404" pitchFamily="49" charset="0"/>
               </a:rPr>
@@ -2913,10 +2830,10 @@
             <a:pPr marL="0" indent="0">
               <a:buNone/>
             </a:pPr>
-            <a:endParaRPr lang="en-US" dirty="0" smtClean="0"/>
-          </a:p>
-          <a:p>
-            <a:endParaRPr lang="en-US" dirty="0" smtClean="0"/>
+            <a:endParaRPr lang="en-US" dirty="0"/>
+          </a:p>
+          <a:p>
+            <a:endParaRPr lang="en-US" dirty="0"/>
           </a:p>
         </p:txBody>
       </p:sp>
@@ -2966,10 +2883,9 @@
           <a:lstStyle/>
           <a:p>
             <a:r>
-              <a:rPr lang="en-US" dirty="0" smtClean="0"/>
+              <a:rPr lang="en-US" dirty="0"/>
               <a:t>Variables</a:t>
             </a:r>
-            <a:endParaRPr lang="en-US" dirty="0"/>
           </a:p>
         </p:txBody>
       </p:sp>
@@ -2989,40 +2905,40 @@
           <a:lstStyle/>
           <a:p>
             <a:r>
-              <a:rPr lang="en-US" sz="2000" dirty="0" smtClean="0"/>
+              <a:rPr lang="en-US" sz="2000" dirty="0"/>
               <a:t>A Variable is a </a:t>
             </a:r>
             <a:r>
-              <a:rPr lang="en-US" sz="2000" b="1" dirty="0" smtClean="0"/>
+              <a:rPr lang="en-US" sz="2000" b="1" dirty="0"/>
               <a:t>name or label</a:t>
             </a:r>
             <a:r>
-              <a:rPr lang="en-US" sz="2000" dirty="0" smtClean="0"/>
+              <a:rPr lang="en-US" sz="2000" dirty="0"/>
               <a:t> that refers to a value.</a:t>
             </a:r>
           </a:p>
           <a:p>
             <a:r>
-              <a:rPr lang="en-US" sz="2000" dirty="0" smtClean="0"/>
+              <a:rPr lang="en-US" sz="2000" dirty="0"/>
               <a:t>For example, in the Python example below </a:t>
             </a:r>
             <a:r>
-              <a:rPr lang="en-US" sz="2000" dirty="0" smtClean="0">
+              <a:rPr lang="en-US" sz="2000" dirty="0">
                 <a:latin typeface="Courier New" panose="02070309020205020404" pitchFamily="49" charset="0"/>
                 <a:cs typeface="Courier New" panose="02070309020205020404" pitchFamily="49" charset="0"/>
               </a:rPr>
               <a:t>name</a:t>
             </a:r>
             <a:r>
-              <a:rPr lang="en-US" sz="2000" dirty="0" smtClean="0"/>
+              <a:rPr lang="en-US" sz="2000" dirty="0"/>
               <a:t> is a variable that points to a string value of (“</a:t>
             </a:r>
             <a:r>
-              <a:rPr lang="en-US" sz="2000" dirty="0" err="1" smtClean="0"/>
+              <a:rPr lang="en-US" sz="2000" dirty="0" err="1"/>
               <a:t>Ferrocious</a:t>
             </a:r>
             <a:r>
-              <a:rPr lang="en-US" sz="2000" dirty="0" smtClean="0"/>
+              <a:rPr lang="en-US" sz="2000" dirty="0"/>
               <a:t> Knight”)</a:t>
             </a:r>
           </a:p>
@@ -3113,10 +3029,9 @@
           <a:lstStyle/>
           <a:p>
             <a:r>
-              <a:rPr lang="en-US" dirty="0" smtClean="0"/>
+              <a:rPr lang="en-US" dirty="0"/>
               <a:t>Operators &amp; Operands</a:t>
             </a:r>
-            <a:endParaRPr lang="en-US" dirty="0"/>
           </a:p>
         </p:txBody>
       </p:sp>
@@ -3136,65 +3051,57 @@
           <a:lstStyle/>
           <a:p>
             <a:r>
-              <a:rPr lang="en-US" dirty="0" smtClean="0"/>
-              <a:t>+ </a:t>
-            </a:r>
-            <a:r>
-              <a:rPr lang="en-US" dirty="0"/>
-              <a:t> </a:t>
-            </a:r>
-            <a:r>
-              <a:rPr lang="en-US" dirty="0" smtClean="0"/>
-              <a:t>(Add)</a:t>
-            </a:r>
-          </a:p>
-          <a:p>
-            <a:r>
-              <a:rPr lang="en-US" dirty="0" smtClean="0"/>
+              <a:rPr lang="en-US" dirty="0"/>
+              <a:t>+  (Add)</a:t>
+            </a:r>
+          </a:p>
+          <a:p>
+            <a:r>
+              <a:rPr lang="en-US" dirty="0"/>
               <a:t>- (Subtract)</a:t>
             </a:r>
           </a:p>
           <a:p>
             <a:r>
-              <a:rPr lang="en-US" dirty="0" smtClean="0"/>
+              <a:rPr lang="en-US" dirty="0"/>
               <a:t>* (Multiply)</a:t>
             </a:r>
           </a:p>
           <a:p>
             <a:r>
-              <a:rPr lang="en-US" dirty="0" smtClean="0"/>
+              <a:rPr lang="en-US" dirty="0"/>
               <a:t>/ (Divide)</a:t>
             </a:r>
           </a:p>
           <a:p>
             <a:r>
-              <a:rPr lang="en-US" dirty="0" smtClean="0"/>
+              <a:rPr lang="en-US" dirty="0"/>
               <a:t>% (Modulus)</a:t>
             </a:r>
           </a:p>
           <a:p>
             <a:r>
-              <a:rPr lang="en-US" dirty="0" smtClean="0"/>
+              <a:rPr lang="en-US" dirty="0"/>
               <a:t>** (Power)</a:t>
             </a:r>
           </a:p>
           <a:p>
             <a:r>
-              <a:rPr lang="en-US" b="1" dirty="0" smtClean="0"/>
+              <a:rPr lang="en-US" b="1" dirty="0"/>
               <a:t>Operators</a:t>
             </a:r>
             <a:r>
-              <a:rPr lang="en-US" dirty="0" smtClean="0"/>
+              <a:rPr lang="en-US" dirty="0"/>
               <a:t> are special symbols that represent computations like addition and multiplication. </a:t>
             </a:r>
           </a:p>
           <a:p>
             <a:r>
-              <a:rPr lang="en-US" b="1" dirty="0" smtClean="0"/>
+              <a:rPr lang="en-US" b="1" dirty="0"/>
               <a:t>Operand </a:t>
             </a:r>
             <a:r>
-              <a:rPr lang="en-US" dirty="0" smtClean="0"/>
+              <a:rPr lang="en-US" dirty="0"/>
               <a:t>is the value being operated on. </a:t>
             </a:r>
           </a:p>
@@ -3255,10 +3162,9 @@
           <a:lstStyle/>
           <a:p>
             <a:r>
-              <a:rPr lang="en-US" dirty="0" smtClean="0"/>
+              <a:rPr lang="en-US" dirty="0"/>
               <a:t>Today’s Objectives</a:t>
             </a:r>
-            <a:endParaRPr lang="en-US" dirty="0"/>
           </a:p>
         </p:txBody>
       </p:sp>
@@ -3278,49 +3184,49 @@
           <a:lstStyle/>
           <a:p>
             <a:r>
-              <a:rPr lang="en-US" dirty="0" smtClean="0"/>
+              <a:rPr lang="en-US" dirty="0"/>
               <a:t>Introductions </a:t>
             </a:r>
           </a:p>
           <a:p>
             <a:r>
-              <a:rPr lang="en-US" dirty="0" smtClean="0"/>
+              <a:rPr lang="en-US" dirty="0"/>
               <a:t>Syllabus  </a:t>
             </a:r>
           </a:p>
           <a:p>
             <a:r>
-              <a:rPr lang="en-US" dirty="0" smtClean="0"/>
+              <a:rPr lang="en-US" dirty="0"/>
               <a:t>Course Overview</a:t>
             </a:r>
           </a:p>
           <a:p>
             <a:r>
-              <a:rPr lang="en-US" dirty="0" smtClean="0"/>
+              <a:rPr lang="en-US" dirty="0"/>
               <a:t>What is Programming?</a:t>
             </a:r>
           </a:p>
           <a:p>
             <a:r>
-              <a:rPr lang="en-US" dirty="0" smtClean="0"/>
+              <a:rPr lang="en-US" dirty="0"/>
               <a:t>Variables, Expressions, Statements, Operators, Types</a:t>
             </a:r>
           </a:p>
           <a:p>
             <a:r>
-              <a:rPr lang="en-US" dirty="0" smtClean="0"/>
+              <a:rPr lang="en-US" dirty="0"/>
               <a:t>In-Class Lab</a:t>
             </a:r>
           </a:p>
           <a:p>
             <a:r>
-              <a:rPr lang="en-US" dirty="0" smtClean="0"/>
+              <a:rPr lang="en-US" dirty="0"/>
               <a:t>Python Introduction</a:t>
             </a:r>
           </a:p>
           <a:p>
             <a:r>
-              <a:rPr lang="en-US" dirty="0" smtClean="0"/>
+              <a:rPr lang="en-US" dirty="0"/>
               <a:t>Running Python (Getting Started)</a:t>
             </a:r>
           </a:p>
@@ -3384,10 +3290,9 @@
           <a:lstStyle/>
           <a:p>
             <a:r>
-              <a:rPr lang="en-US" dirty="0" smtClean="0"/>
+              <a:rPr lang="en-US" dirty="0"/>
               <a:t>Expressions &amp; Statements</a:t>
             </a:r>
-            <a:endParaRPr lang="en-US" dirty="0"/>
           </a:p>
         </p:txBody>
       </p:sp>
@@ -3412,52 +3317,51 @@
           <a:lstStyle/>
           <a:p>
             <a:r>
-              <a:rPr lang="en-US" sz="1800" dirty="0" smtClean="0"/>
+              <a:rPr lang="en-US" sz="1800" dirty="0"/>
               <a:t>An </a:t>
             </a:r>
             <a:r>
-              <a:rPr lang="en-US" sz="1800" b="1" dirty="0" smtClean="0"/>
+              <a:rPr lang="en-US" sz="1800" b="1" dirty="0"/>
               <a:t>expression </a:t>
             </a:r>
             <a:r>
-              <a:rPr lang="en-US" sz="1800" dirty="0" smtClean="0"/>
+              <a:rPr lang="en-US" sz="1800" dirty="0"/>
               <a:t>is a combination of values, variables, and operators </a:t>
             </a:r>
             <a:r>
-              <a:rPr lang="en-US" sz="1800" u="sng" dirty="0" smtClean="0"/>
+              <a:rPr lang="en-US" sz="1800" u="sng" dirty="0"/>
               <a:t>that computes to return another value</a:t>
             </a:r>
             <a:r>
-              <a:rPr lang="en-US" sz="1800" dirty="0" smtClean="0"/>
+              <a:rPr lang="en-US" sz="1800" dirty="0"/>
               <a:t>. Expressions are evaluated in a program.</a:t>
             </a:r>
-            <a:endParaRPr lang="en-US" sz="1800" dirty="0"/>
-          </a:p>
-          <a:p>
-            <a:r>
-              <a:rPr lang="en-US" sz="1800" dirty="0" smtClean="0"/>
+          </a:p>
+          <a:p>
+            <a:r>
+              <a:rPr lang="en-US" sz="1800" dirty="0"/>
               <a:t>A </a:t>
             </a:r>
             <a:r>
-              <a:rPr lang="en-US" sz="1800" b="1" dirty="0" smtClean="0"/>
+              <a:rPr lang="en-US" sz="1800" b="1" dirty="0"/>
               <a:t>statement</a:t>
             </a:r>
             <a:r>
-              <a:rPr lang="en-US" sz="1800" dirty="0" smtClean="0"/>
+              <a:rPr lang="en-US" sz="1800" dirty="0"/>
               <a:t> is a unit of code that </a:t>
             </a:r>
             <a:r>
-              <a:rPr lang="en-US" sz="1800" u="sng" dirty="0" smtClean="0"/>
+              <a:rPr lang="en-US" sz="1800" u="sng" dirty="0"/>
               <a:t>causes a specific action </a:t>
             </a:r>
             <a:r>
-              <a:rPr lang="en-US" sz="1800" dirty="0" smtClean="0"/>
+              <a:rPr lang="en-US" sz="1800" dirty="0"/>
               <a:t>by a program.</a:t>
             </a:r>
           </a:p>
           <a:p>
             <a:r>
-              <a:rPr lang="en-US" sz="1800" dirty="0" smtClean="0"/>
+              <a:rPr lang="en-US" sz="1800" dirty="0"/>
               <a:t>An expression has a value, where as a statement does not. (For example… What would the value of the following assignment statement be?)</a:t>
             </a:r>
           </a:p>
@@ -3465,15 +3369,11 @@
             <a:pPr marL="0" indent="0">
               <a:buNone/>
             </a:pPr>
-            <a:r>
-              <a:rPr lang="en-US" sz="1800" dirty="0" smtClean="0"/>
-              <a:t/>
-            </a:r>
             <a:br>
-              <a:rPr lang="en-US" sz="1800" dirty="0" smtClean="0"/>
+              <a:rPr lang="en-US" sz="1800" dirty="0"/>
             </a:br>
             <a:r>
-              <a:rPr lang="en-US" sz="1800" dirty="0" smtClean="0">
+              <a:rPr lang="en-US" sz="1800" dirty="0">
                 <a:latin typeface="Courier New" panose="02070309020205020404" pitchFamily="49" charset="0"/>
                 <a:cs typeface="Courier New" panose="02070309020205020404" pitchFamily="49" charset="0"/>
               </a:rPr>
@@ -3484,7 +3384,7 @@
             <a:pPr marL="0" indent="0">
               <a:buNone/>
             </a:pPr>
-            <a:endParaRPr lang="en-US" sz="1800" dirty="0" smtClean="0">
+            <a:endParaRPr lang="en-US" sz="1800" dirty="0">
               <a:latin typeface="Courier New" panose="02070309020205020404" pitchFamily="49" charset="0"/>
               <a:cs typeface="Courier New" panose="02070309020205020404" pitchFamily="49" charset="0"/>
             </a:endParaRPr>
@@ -3492,13 +3392,9 @@
           <a:p>
             <a:r>
               <a:rPr lang="en-US" sz="1800" dirty="0"/>
-              <a:t>(Nothing, since it just assigning a variable to a value</a:t>
-            </a:r>
-            <a:r>
-              <a:rPr lang="en-US" sz="1800" dirty="0" smtClean="0"/>
-              <a:t>)</a:t>
-            </a:r>
-            <a:endParaRPr lang="en-US" sz="1800" dirty="0" smtClean="0">
+              <a:t>(Nothing, since it just assigning a variable to a value)</a:t>
+            </a:r>
+            <a:endParaRPr lang="en-US" sz="1800" dirty="0">
               <a:latin typeface="Courier New" panose="02070309020205020404" pitchFamily="49" charset="0"/>
               <a:cs typeface="Courier New" panose="02070309020205020404" pitchFamily="49" charset="0"/>
             </a:endParaRPr>
@@ -3506,32 +3402,13 @@
           <a:p>
             <a:r>
               <a:rPr lang="en-US" sz="1800" dirty="0"/>
-              <a:t>But </a:t>
-            </a:r>
-            <a:r>
-              <a:rPr lang="en-US" sz="1800" dirty="0" smtClean="0"/>
-              <a:t>the below </a:t>
-            </a:r>
-            <a:r>
-              <a:rPr lang="en-US" sz="1800" dirty="0"/>
-              <a:t>expression “evaluates to something</a:t>
-            </a:r>
-            <a:r>
-              <a:rPr lang="en-US" sz="1800" dirty="0" smtClean="0"/>
-              <a:t>”</a:t>
+              <a:t>But the below expression “evaluates to something”</a:t>
             </a:r>
           </a:p>
           <a:p>
             <a:pPr marL="0" indent="0">
               <a:buNone/>
             </a:pPr>
-            <a:r>
-              <a:rPr lang="en-US" sz="1800" dirty="0">
-                <a:latin typeface="Courier New" panose="02070309020205020404" pitchFamily="49" charset="0"/>
-                <a:cs typeface="Courier New" panose="02070309020205020404" pitchFamily="49" charset="0"/>
-              </a:rPr>
-              <a:t/>
-            </a:r>
             <a:br>
               <a:rPr lang="en-US" sz="1800" dirty="0">
                 <a:latin typeface="Courier New" panose="02070309020205020404" pitchFamily="49" charset="0"/>
@@ -3539,7 +3416,7 @@
               </a:rPr>
             </a:br>
             <a:r>
-              <a:rPr lang="en-US" sz="1800" dirty="0" smtClean="0">
+              <a:rPr lang="en-US" sz="1800" dirty="0">
                 <a:latin typeface="Courier New" panose="02070309020205020404" pitchFamily="49" charset="0"/>
                 <a:cs typeface="Courier New" panose="02070309020205020404" pitchFamily="49" charset="0"/>
               </a:rPr>
@@ -3548,7 +3425,7 @@
           </a:p>
           <a:p>
             <a:r>
-              <a:rPr lang="en-US" sz="1800" dirty="0" smtClean="0"/>
+              <a:rPr lang="en-US" sz="1800" dirty="0"/>
               <a:t>So even a single value (e.g. ‘hello’) is an expression, because it has a value. </a:t>
             </a:r>
           </a:p>
@@ -3609,10 +3486,9 @@
           <a:lstStyle/>
           <a:p>
             <a:r>
-              <a:rPr lang="en-US" dirty="0" smtClean="0"/>
+              <a:rPr lang="en-US" dirty="0"/>
               <a:t>In Summary</a:t>
             </a:r>
-            <a:endParaRPr lang="en-US" dirty="0"/>
           </a:p>
         </p:txBody>
       </p:sp>
@@ -3632,7 +3508,7 @@
           <a:lstStyle/>
           <a:p>
             <a:r>
-              <a:rPr lang="en-US" sz="2000" b="1" u="sng" dirty="0" smtClean="0">
+              <a:rPr lang="en-US" sz="2000" b="1" u="sng" dirty="0">
                 <a:solidFill>
                   <a:schemeClr val="accent1">
                     <a:lumMod val="50000"/>
@@ -3642,72 +3518,72 @@
               <a:t>Programs are a means to an end</a:t>
             </a:r>
             <a:r>
-              <a:rPr lang="en-US" sz="2000" b="1" u="sng" dirty="0" smtClean="0"/>
+              <a:rPr lang="en-US" sz="2000" b="1" u="sng" dirty="0"/>
               <a:t>. </a:t>
             </a:r>
             <a:r>
-              <a:rPr lang="en-US" sz="2000" dirty="0" smtClean="0"/>
+              <a:rPr lang="en-US" sz="2000" dirty="0"/>
               <a:t>The career of a programmer is to use the available tools to write programs that provide solutions that help people.</a:t>
             </a:r>
           </a:p>
           <a:p>
             <a:r>
-              <a:rPr lang="en-US" sz="2000" b="1" dirty="0" smtClean="0"/>
+              <a:rPr lang="en-US" sz="2000" b="1" dirty="0"/>
               <a:t>The programs we write are made up of:</a:t>
             </a:r>
           </a:p>
           <a:p>
             <a:r>
-              <a:rPr lang="en-US" sz="2000" b="1" dirty="0" smtClean="0"/>
+              <a:rPr lang="en-US" sz="2000" b="1" dirty="0"/>
               <a:t>Values</a:t>
             </a:r>
             <a:r>
-              <a:rPr lang="en-US" sz="2000" dirty="0" smtClean="0"/>
+              <a:rPr lang="en-US" sz="2000" dirty="0"/>
               <a:t>, each with a specific type.</a:t>
             </a:r>
           </a:p>
           <a:p>
             <a:r>
-              <a:rPr lang="en-US" sz="2000" b="1" dirty="0" smtClean="0"/>
+              <a:rPr lang="en-US" sz="2000" b="1" dirty="0"/>
               <a:t>Variables</a:t>
             </a:r>
             <a:r>
-              <a:rPr lang="en-US" sz="2000" dirty="0" smtClean="0"/>
+              <a:rPr lang="en-US" sz="2000" dirty="0"/>
               <a:t>, which are names or labels for the values.</a:t>
             </a:r>
           </a:p>
           <a:p>
             <a:r>
-              <a:rPr lang="en-US" sz="2000" b="1" dirty="0" smtClean="0"/>
+              <a:rPr lang="en-US" sz="2000" b="1" dirty="0"/>
               <a:t>Expressions</a:t>
             </a:r>
             <a:r>
-              <a:rPr lang="en-US" sz="2000" dirty="0" smtClean="0"/>
+              <a:rPr lang="en-US" sz="2000" dirty="0"/>
               <a:t>, which is a combination of one or more values or variables that point to values.</a:t>
             </a:r>
           </a:p>
           <a:p>
             <a:r>
-              <a:rPr lang="en-US" sz="2000" b="1" dirty="0" smtClean="0"/>
+              <a:rPr lang="en-US" sz="2000" b="1" dirty="0"/>
               <a:t>Statements</a:t>
             </a:r>
             <a:r>
-              <a:rPr lang="en-US" sz="2000" dirty="0" smtClean="0"/>
+              <a:rPr lang="en-US" sz="2000" dirty="0"/>
               <a:t>, which tell the computer to do a specific action, usually contain an expression.</a:t>
             </a:r>
           </a:p>
           <a:p>
             <a:r>
-              <a:rPr lang="en-US" sz="2000" b="1" dirty="0" smtClean="0"/>
+              <a:rPr lang="en-US" sz="2000" b="1" dirty="0"/>
               <a:t>Operators</a:t>
             </a:r>
             <a:r>
-              <a:rPr lang="en-US" sz="2000" dirty="0" smtClean="0"/>
+              <a:rPr lang="en-US" sz="2000" dirty="0"/>
               <a:t>, which are used in expressions and statements. </a:t>
             </a:r>
           </a:p>
           <a:p>
-            <a:endParaRPr lang="en-US" dirty="0" smtClean="0"/>
+            <a:endParaRPr lang="en-US" dirty="0"/>
           </a:p>
           <a:p>
             <a:pPr marL="0" indent="0">
@@ -3766,10 +3642,9 @@
           <a:lstStyle/>
           <a:p>
             <a:r>
-              <a:rPr lang="en-US" dirty="0" smtClean="0"/>
+              <a:rPr lang="en-US" dirty="0"/>
               <a:t>Welcoming Python</a:t>
             </a:r>
-            <a:endParaRPr lang="en-US" dirty="0"/>
           </a:p>
         </p:txBody>
       </p:sp>
@@ -3789,37 +3664,37 @@
           <a:lstStyle/>
           <a:p>
             <a:r>
-              <a:rPr lang="en-US" dirty="0" smtClean="0"/>
+              <a:rPr lang="en-US" dirty="0"/>
               <a:t>Python is powerful… and fast;</a:t>
             </a:r>
           </a:p>
           <a:p>
             <a:r>
-              <a:rPr lang="en-US" dirty="0" smtClean="0"/>
+              <a:rPr lang="en-US" dirty="0"/>
               <a:t>Plays well with others;</a:t>
             </a:r>
           </a:p>
           <a:p>
             <a:r>
-              <a:rPr lang="en-US" dirty="0" smtClean="0"/>
+              <a:rPr lang="en-US" dirty="0"/>
               <a:t>Runs everywhere;</a:t>
             </a:r>
           </a:p>
           <a:p>
             <a:r>
-              <a:rPr lang="en-US" dirty="0" smtClean="0"/>
+              <a:rPr lang="en-US" dirty="0"/>
               <a:t>Is friendly &amp; easy to learn;</a:t>
             </a:r>
           </a:p>
           <a:p>
             <a:r>
-              <a:rPr lang="en-US" dirty="0" smtClean="0"/>
+              <a:rPr lang="en-US" dirty="0"/>
               <a:t>Is Open;</a:t>
             </a:r>
           </a:p>
           <a:p>
             <a:r>
-              <a:rPr lang="en-US" dirty="0" smtClean="0"/>
+              <a:rPr lang="en-US" dirty="0"/>
               <a:t>Has a huge community;</a:t>
             </a:r>
           </a:p>
@@ -3828,15 +3703,9 @@
               <a:rPr lang="en-US" dirty="0">
                 <a:hlinkClick r:id="rId2"/>
               </a:rPr>
-              <a:t>https://www.python.org/about</a:t>
-            </a:r>
-            <a:r>
-              <a:rPr lang="en-US" dirty="0" smtClean="0">
-                <a:hlinkClick r:id="rId2"/>
-              </a:rPr>
-              <a:t>/</a:t>
-            </a:r>
-            <a:endParaRPr lang="en-US" dirty="0" smtClean="0"/>
+              <a:t>https://www.python.org/about/</a:t>
+            </a:r>
+            <a:endParaRPr lang="en-US" dirty="0"/>
           </a:p>
           <a:p>
             <a:endParaRPr lang="en-US" dirty="0"/>
@@ -3919,10 +3788,9 @@
           <a:lstStyle/>
           <a:p>
             <a:r>
-              <a:rPr lang="en-US" dirty="0" smtClean="0"/>
+              <a:rPr lang="en-US" dirty="0"/>
               <a:t>Let’s Get To It!</a:t>
             </a:r>
-            <a:endParaRPr lang="en-US" dirty="0"/>
           </a:p>
         </p:txBody>
       </p:sp>
@@ -3942,50 +3810,44 @@
           <a:lstStyle/>
           <a:p>
             <a:r>
-              <a:rPr lang="en-US" dirty="0" smtClean="0"/>
+              <a:rPr lang="en-US" dirty="0"/>
               <a:t>Go to </a:t>
             </a:r>
             <a:r>
-              <a:rPr lang="en-US" dirty="0" smtClean="0">
+              <a:rPr lang="en-US" dirty="0">
                 <a:hlinkClick r:id="rId2"/>
               </a:rPr>
               <a:t>http://www.python.org/downloads</a:t>
             </a:r>
-            <a:endParaRPr lang="en-US" dirty="0" smtClean="0"/>
-          </a:p>
-          <a:p>
-            <a:r>
-              <a:rPr lang="en-US" dirty="0" smtClean="0"/>
-              <a:t>Download Python </a:t>
-            </a:r>
-            <a:r>
-              <a:rPr lang="en-US" dirty="0" smtClean="0"/>
-              <a:t>3.7.0</a:t>
-            </a:r>
-            <a:endParaRPr lang="en-US" dirty="0" smtClean="0"/>
-          </a:p>
-          <a:p>
-            <a:r>
-              <a:rPr lang="en-US" dirty="0" smtClean="0"/>
-              <a:t>(Mac / Linux users?) You probably already have it. </a:t>
-            </a:r>
             <a:endParaRPr lang="en-US" dirty="0"/>
           </a:p>
           <a:p>
             <a:r>
-              <a:rPr lang="en-US" dirty="0" smtClean="0"/>
+              <a:rPr lang="en-US" dirty="0"/>
+              <a:t>Download Python 3.7.x (Latest Version)</a:t>
+            </a:r>
+          </a:p>
+          <a:p>
+            <a:r>
+              <a:rPr lang="en-US" dirty="0"/>
+              <a:t>(Mac / Linux users?) You probably already have some version of Python installed, but you can still get the latest. </a:t>
+            </a:r>
+          </a:p>
+          <a:p>
+            <a:r>
+              <a:rPr lang="en-US" dirty="0"/>
               <a:t>If prompted choose to “add python.exe to the PATH” variable. </a:t>
             </a:r>
           </a:p>
           <a:p>
             <a:r>
-              <a:rPr lang="en-US" dirty="0" smtClean="0"/>
+              <a:rPr lang="en-US" dirty="0"/>
               <a:t>Open up Idle (Interactive Shell)</a:t>
             </a:r>
           </a:p>
           <a:p>
             <a:r>
-              <a:rPr lang="en-US" dirty="0" smtClean="0">
+              <a:rPr lang="en-US" dirty="0">
                 <a:latin typeface="Courier New" panose="02070309020205020404" pitchFamily="49" charset="0"/>
                 <a:cs typeface="Courier New" panose="02070309020205020404" pitchFamily="49" charset="0"/>
               </a:rPr>
@@ -3994,16 +3856,12 @@
           </a:p>
           <a:p>
             <a:r>
-              <a:rPr lang="en-US" dirty="0" smtClean="0">
+              <a:rPr lang="en-US" dirty="0">
                 <a:latin typeface="+mn-lt"/>
                 <a:cs typeface="Courier New" panose="02070309020205020404" pitchFamily="49" charset="0"/>
               </a:rPr>
               <a:t>Viola.</a:t>
             </a:r>
-            <a:endParaRPr lang="en-US" dirty="0">
-              <a:latin typeface="+mn-lt"/>
-              <a:cs typeface="Courier New" panose="02070309020205020404" pitchFamily="49" charset="0"/>
-            </a:endParaRPr>
           </a:p>
         </p:txBody>
       </p:sp>
@@ -4053,14 +3911,9 @@
           <a:lstStyle/>
           <a:p>
             <a:r>
-              <a:rPr lang="en-US" dirty="0" smtClean="0"/>
-              <a:t>Python 2.7 vs. </a:t>
-            </a:r>
-            <a:r>
-              <a:rPr lang="en-US" dirty="0" smtClean="0"/>
-              <a:t>3.x</a:t>
-            </a:r>
-            <a:endParaRPr lang="en-US" dirty="0"/>
+              <a:rPr lang="en-US" dirty="0"/>
+              <a:t>Python 2.7 vs. 3.x</a:t>
+            </a:r>
           </a:p>
         </p:txBody>
       </p:sp>
@@ -4080,25 +3933,25 @@
           <a:lstStyle/>
           <a:p>
             <a:r>
-              <a:rPr lang="en-US" b="1" dirty="0" smtClean="0"/>
+              <a:rPr lang="en-US" b="1" dirty="0"/>
               <a:t>Python 2.7 </a:t>
             </a:r>
             <a:r>
-              <a:rPr lang="en-US" dirty="0" smtClean="0"/>
+              <a:rPr lang="en-US" dirty="0"/>
               <a:t>-&gt; Last version (most likely) in the 2.X branch. Many systems are currently running 2.X code.</a:t>
             </a:r>
           </a:p>
           <a:p>
             <a:pPr lvl="1"/>
             <a:r>
-              <a:rPr lang="en-US" dirty="0" smtClean="0"/>
+              <a:rPr lang="en-US" dirty="0"/>
               <a:t>Advantages of using 2.7 is that it is already in use (no need to update existing code)</a:t>
             </a:r>
           </a:p>
           <a:p>
             <a:pPr lvl="1"/>
             <a:r>
-              <a:rPr lang="en-US" dirty="0" smtClean="0"/>
+              <a:rPr lang="en-US" dirty="0"/>
               <a:t>No active development (will remain stable)</a:t>
             </a:r>
           </a:p>
@@ -4107,32 +3960,27 @@
           </a:p>
           <a:p>
             <a:r>
-              <a:rPr lang="en-US" b="1" dirty="0" smtClean="0"/>
-              <a:t>Python </a:t>
-            </a:r>
-            <a:r>
-              <a:rPr lang="en-US" b="1" dirty="0" smtClean="0"/>
-              <a:t>3.7 </a:t>
-            </a:r>
-            <a:r>
-              <a:rPr lang="en-US" dirty="0" smtClean="0"/>
+              <a:rPr lang="en-US" b="1" dirty="0"/>
+              <a:t>Python 3.7 </a:t>
+            </a:r>
+            <a:r>
+              <a:rPr lang="en-US" dirty="0"/>
               <a:t>-&gt; Most recent version of the language. Many new features and fixes to issues. </a:t>
             </a:r>
           </a:p>
           <a:p>
             <a:pPr lvl="1"/>
             <a:r>
-              <a:rPr lang="en-US" dirty="0" smtClean="0"/>
+              <a:rPr lang="en-US" dirty="0"/>
               <a:t>Actively being developed.</a:t>
             </a:r>
           </a:p>
           <a:p>
             <a:pPr lvl="1"/>
             <a:r>
-              <a:rPr lang="en-US" dirty="0" smtClean="0"/>
+              <a:rPr lang="en-US" dirty="0"/>
               <a:t>NOT backwards compatible with 2.X</a:t>
             </a:r>
-            <a:endParaRPr lang="en-US" dirty="0"/>
           </a:p>
         </p:txBody>
       </p:sp>
@@ -4182,10 +4030,9 @@
           <a:lstStyle/>
           <a:p>
             <a:r>
-              <a:rPr lang="en-US" dirty="0" smtClean="0"/>
-              <a:t>Python – A Glue Language</a:t>
-            </a:r>
-            <a:endParaRPr lang="en-US" dirty="0"/>
+              <a:rPr lang="en-US" dirty="0"/>
+              <a:t>Python Is Interpreted</a:t>
+            </a:r>
           </a:p>
         </p:txBody>
       </p:sp>
@@ -4205,120 +4052,9 @@
           <a:lstStyle/>
           <a:p>
             <a:r>
-              <a:rPr lang="en-US" b="1" dirty="0" smtClean="0"/>
-              <a:t>Question?</a:t>
-            </a:r>
-            <a:r>
-              <a:rPr lang="en-US" dirty="0" smtClean="0"/>
-              <a:t> Is Python a scripting language or a programming language?</a:t>
-            </a:r>
-          </a:p>
-          <a:p>
-            <a:endParaRPr lang="en-US" dirty="0" smtClean="0"/>
-          </a:p>
-          <a:p>
-            <a:r>
-              <a:rPr lang="en-US" b="1" dirty="0" smtClean="0"/>
-              <a:t>Answer:</a:t>
-            </a:r>
-            <a:r>
-              <a:rPr lang="en-US" dirty="0" smtClean="0"/>
-              <a:t> It is really both, something many people refer to as a glue language.</a:t>
-            </a:r>
-          </a:p>
-          <a:p>
-            <a:endParaRPr lang="en-US" dirty="0" smtClean="0"/>
-          </a:p>
-          <a:p>
-            <a:r>
-              <a:rPr lang="en-US" dirty="0" smtClean="0"/>
-              <a:t>Used to connect other software components.</a:t>
-            </a:r>
-          </a:p>
-          <a:p>
-            <a:endParaRPr lang="en-US" dirty="0" smtClean="0"/>
-          </a:p>
-          <a:p>
-            <a:r>
-              <a:rPr lang="en-US" dirty="0" smtClean="0"/>
-              <a:t>Cross platform, which increases it’s flexibility.</a:t>
-            </a:r>
-          </a:p>
-        </p:txBody>
-      </p:sp>
-    </p:spTree>
-    <p:extLst>
-      <p:ext uri="{BB962C8B-B14F-4D97-AF65-F5344CB8AC3E}">
-        <p14:creationId xmlns:p14="http://schemas.microsoft.com/office/powerpoint/2010/main" val="406893183"/>
-      </p:ext>
-    </p:extLst>
-  </p:cSld>
-  <p:clrMapOvr>
-    <a:masterClrMapping/>
-  </p:clrMapOvr>
-</p:sld>
-</file>
-
-<file path=ppt/slides/slide26.xml><?xml version="1.0" encoding="utf-8"?>
-<p:sld xmlns:a="http://schemas.openxmlformats.org/drawingml/2006/main" xmlns:r="http://schemas.openxmlformats.org/officeDocument/2006/relationships" xmlns:p="http://schemas.openxmlformats.org/presentationml/2006/main">
-  <p:cSld>
-    <p:spTree>
-      <p:nvGrpSpPr>
-        <p:cNvPr id="1" name=""/>
-        <p:cNvGrpSpPr/>
-        <p:nvPr/>
-      </p:nvGrpSpPr>
-      <p:grpSpPr>
-        <a:xfrm>
-          <a:off x="0" y="0"/>
-          <a:ext cx="0" cy="0"/>
-          <a:chOff x="0" y="0"/>
-          <a:chExt cx="0" cy="0"/>
-        </a:xfrm>
-      </p:grpSpPr>
-      <p:sp>
-        <p:nvSpPr>
-          <p:cNvPr id="2" name="Title 1"/>
-          <p:cNvSpPr>
-            <a:spLocks noGrp="1"/>
-          </p:cNvSpPr>
-          <p:nvPr>
-            <p:ph type="title"/>
-          </p:nvPr>
-        </p:nvSpPr>
-        <p:spPr/>
-        <p:txBody>
-          <a:bodyPr/>
-          <a:lstStyle/>
-          <a:p>
-            <a:r>
-              <a:rPr lang="en-US" dirty="0" smtClean="0"/>
-              <a:t>Python Is Interpreted</a:t>
-            </a:r>
-            <a:endParaRPr lang="en-US" dirty="0"/>
-          </a:p>
-        </p:txBody>
-      </p:sp>
-      <p:sp>
-        <p:nvSpPr>
-          <p:cNvPr id="3" name="Content Placeholder 2"/>
-          <p:cNvSpPr>
-            <a:spLocks noGrp="1"/>
-          </p:cNvSpPr>
-          <p:nvPr>
-            <p:ph idx="1"/>
-          </p:nvPr>
-        </p:nvSpPr>
-        <p:spPr/>
-        <p:txBody>
-          <a:bodyPr/>
-          <a:lstStyle/>
-          <a:p>
-            <a:r>
-              <a:rPr lang="en-US" dirty="0" smtClean="0"/>
+              <a:rPr lang="en-US" dirty="0"/>
               <a:t>Python can run interactively. This means that when developing software we don’t have to wait for code to be compiled and then executed. It can be executed immediately in interactive mode.</a:t>
             </a:r>
-            <a:endParaRPr lang="en-US" dirty="0"/>
           </a:p>
         </p:txBody>
       </p:sp>
@@ -4365,6 +4101,174 @@
 </p:sld>
 </file>
 
+<file path=ppt/slides/slide26.xml><?xml version="1.0" encoding="utf-8"?>
+<p:sld xmlns:a="http://schemas.openxmlformats.org/drawingml/2006/main" xmlns:r="http://schemas.openxmlformats.org/officeDocument/2006/relationships" xmlns:p="http://schemas.openxmlformats.org/presentationml/2006/main">
+  <p:cSld>
+    <p:spTree>
+      <p:nvGrpSpPr>
+        <p:cNvPr id="1" name=""/>
+        <p:cNvGrpSpPr/>
+        <p:nvPr/>
+      </p:nvGrpSpPr>
+      <p:grpSpPr>
+        <a:xfrm>
+          <a:off x="0" y="0"/>
+          <a:ext cx="0" cy="0"/>
+          <a:chOff x="0" y="0"/>
+          <a:chExt cx="0" cy="0"/>
+        </a:xfrm>
+      </p:grpSpPr>
+      <p:sp>
+        <p:nvSpPr>
+          <p:cNvPr id="2" name="Title 1"/>
+          <p:cNvSpPr>
+            <a:spLocks noGrp="1"/>
+          </p:cNvSpPr>
+          <p:nvPr>
+            <p:ph type="title"/>
+          </p:nvPr>
+        </p:nvSpPr>
+        <p:spPr/>
+        <p:txBody>
+          <a:bodyPr/>
+          <a:lstStyle/>
+          <a:p>
+            <a:r>
+              <a:rPr lang="en-US" dirty="0"/>
+              <a:t>2 ways to execute Python</a:t>
+            </a:r>
+          </a:p>
+        </p:txBody>
+      </p:sp>
+      <p:sp>
+        <p:nvSpPr>
+          <p:cNvPr id="3" name="Content Placeholder 2"/>
+          <p:cNvSpPr>
+            <a:spLocks noGrp="1"/>
+          </p:cNvSpPr>
+          <p:nvPr>
+            <p:ph idx="1"/>
+          </p:nvPr>
+        </p:nvSpPr>
+        <p:spPr/>
+        <p:txBody>
+          <a:bodyPr/>
+          <a:lstStyle/>
+          <a:p>
+            <a:r>
+              <a:rPr lang="en-US" dirty="0"/>
+              <a:t>Interactive Mode – Python code is typed into a </a:t>
+            </a:r>
+            <a:r>
+              <a:rPr lang="en-US" b="1" dirty="0"/>
+              <a:t>shell</a:t>
+            </a:r>
+            <a:r>
+              <a:rPr lang="en-US" dirty="0"/>
+              <a:t>, which is then executed.</a:t>
+            </a:r>
+            <a:br>
+              <a:rPr lang="en-US" dirty="0"/>
+            </a:br>
+            <a:r>
+              <a:rPr lang="en-US" dirty="0">
+                <a:latin typeface="Courier New" panose="02070309020205020404" pitchFamily="49" charset="0"/>
+                <a:cs typeface="Courier New" panose="02070309020205020404" pitchFamily="49" charset="0"/>
+              </a:rPr>
+              <a:t>&gt;&gt;&gt; 1 + 1</a:t>
+            </a:r>
+            <a:br>
+              <a:rPr lang="en-US" dirty="0">
+                <a:latin typeface="Courier New" panose="02070309020205020404" pitchFamily="49" charset="0"/>
+                <a:cs typeface="Courier New" panose="02070309020205020404" pitchFamily="49" charset="0"/>
+              </a:rPr>
+            </a:br>
+            <a:r>
+              <a:rPr lang="en-US" dirty="0">
+                <a:latin typeface="Courier New" panose="02070309020205020404" pitchFamily="49" charset="0"/>
+                <a:cs typeface="Courier New" panose="02070309020205020404" pitchFamily="49" charset="0"/>
+              </a:rPr>
+              <a:t>2</a:t>
+            </a:r>
+          </a:p>
+          <a:p>
+            <a:endParaRPr lang="en-US" dirty="0">
+              <a:latin typeface="Courier New" panose="02070309020205020404" pitchFamily="49" charset="0"/>
+              <a:cs typeface="Courier New" panose="02070309020205020404" pitchFamily="49" charset="0"/>
+            </a:endParaRPr>
+          </a:p>
+          <a:p>
+            <a:r>
+              <a:rPr lang="en-US" dirty="0"/>
+              <a:t>Stored in a file called a </a:t>
+            </a:r>
+            <a:r>
+              <a:rPr lang="en-US" b="1" dirty="0"/>
+              <a:t>script</a:t>
+            </a:r>
+            <a:r>
+              <a:rPr lang="en-US" dirty="0"/>
+              <a:t>(usually ending in </a:t>
+            </a:r>
+            <a:r>
+              <a:rPr lang="en-US" dirty="0">
+                <a:latin typeface="Courier New" panose="02070309020205020404" pitchFamily="49" charset="0"/>
+                <a:cs typeface="Courier New" panose="02070309020205020404" pitchFamily="49" charset="0"/>
+              </a:rPr>
+              <a:t>.</a:t>
+            </a:r>
+            <a:r>
+              <a:rPr lang="en-US" dirty="0" err="1">
+                <a:latin typeface="Courier New" panose="02070309020205020404" pitchFamily="49" charset="0"/>
+                <a:cs typeface="Courier New" panose="02070309020205020404" pitchFamily="49" charset="0"/>
+              </a:rPr>
+              <a:t>py</a:t>
+            </a:r>
+            <a:r>
+              <a:rPr lang="en-US" dirty="0"/>
+              <a:t>) that can later be executed.</a:t>
+            </a:r>
+          </a:p>
+          <a:p>
+            <a:endParaRPr lang="en-US" dirty="0"/>
+          </a:p>
+          <a:p>
+            <a:r>
+              <a:rPr lang="en-US" dirty="0"/>
+              <a:t>These two execution methods are known as </a:t>
+            </a:r>
+            <a:r>
+              <a:rPr lang="en-US" b="1" dirty="0"/>
+              <a:t>interactive mode </a:t>
+            </a:r>
+            <a:r>
+              <a:rPr lang="en-US" dirty="0"/>
+              <a:t>and </a:t>
+            </a:r>
+            <a:r>
+              <a:rPr lang="en-US" b="1" dirty="0"/>
+              <a:t>script mode</a:t>
+            </a:r>
+            <a:r>
+              <a:rPr lang="en-US" dirty="0"/>
+              <a:t>.</a:t>
+            </a:r>
+          </a:p>
+        </p:txBody>
+      </p:sp>
+    </p:spTree>
+    <p:extLst>
+      <p:ext uri="{BB962C8B-B14F-4D97-AF65-F5344CB8AC3E}">
+        <p14:creationId xmlns:p14="http://schemas.microsoft.com/office/powerpoint/2010/main" val="1312308966"/>
+      </p:ext>
+    </p:extLst>
+  </p:cSld>
+  <p:clrMapOvr>
+    <a:masterClrMapping/>
+  </p:clrMapOvr>
+</p:sld>
+</file>
+
 <file path=ppt/slides/slide27.xml><?xml version="1.0" encoding="utf-8"?>
 <p:sld xmlns:a="http://schemas.openxmlformats.org/drawingml/2006/main" xmlns:r="http://schemas.openxmlformats.org/officeDocument/2006/relationships" xmlns:p="http://schemas.openxmlformats.org/presentationml/2006/main">
   <p:cSld>
@@ -4398,10 +4302,9 @@
           <a:lstStyle/>
           <a:p>
             <a:r>
-              <a:rPr lang="en-US" dirty="0" smtClean="0"/>
-              <a:t>2 ways to execute Python</a:t>
-            </a:r>
-            <a:endParaRPr lang="en-US" dirty="0"/>
+              <a:rPr lang="en-US" dirty="0"/>
+              <a:t>Running Python</a:t>
+            </a:r>
           </a:p>
         </p:txBody>
       </p:sp>
@@ -4420,110 +4323,12 @@
           <a:bodyPr/>
           <a:lstStyle/>
           <a:p>
-            <a:r>
-              <a:rPr lang="en-US" dirty="0" smtClean="0"/>
-              <a:t>Interactive Mode – Python code is typed into a </a:t>
-            </a:r>
-            <a:r>
-              <a:rPr lang="en-US" b="1" dirty="0" smtClean="0"/>
-              <a:t>shell</a:t>
-            </a:r>
-            <a:r>
-              <a:rPr lang="en-US" dirty="0" smtClean="0"/>
-              <a:t>, which is then executed.</a:t>
-            </a:r>
-            <a:br>
-              <a:rPr lang="en-US" dirty="0" smtClean="0"/>
-            </a:br>
-            <a:r>
-              <a:rPr lang="en-US" dirty="0" smtClean="0">
-                <a:latin typeface="Courier New" panose="02070309020205020404" pitchFamily="49" charset="0"/>
-                <a:cs typeface="Courier New" panose="02070309020205020404" pitchFamily="49" charset="0"/>
-              </a:rPr>
-              <a:t>&gt;&gt;&gt; 1 + 1</a:t>
-            </a:r>
-            <a:r>
-              <a:rPr lang="en-US" dirty="0">
-                <a:latin typeface="Courier New" panose="02070309020205020404" pitchFamily="49" charset="0"/>
-                <a:cs typeface="Courier New" panose="02070309020205020404" pitchFamily="49" charset="0"/>
-              </a:rPr>
-              <a:t/>
-            </a:r>
-            <a:br>
-              <a:rPr lang="en-US" dirty="0">
-                <a:latin typeface="Courier New" panose="02070309020205020404" pitchFamily="49" charset="0"/>
-                <a:cs typeface="Courier New" panose="02070309020205020404" pitchFamily="49" charset="0"/>
-              </a:rPr>
-            </a:br>
-            <a:r>
-              <a:rPr lang="en-US" dirty="0" smtClean="0">
-                <a:latin typeface="Courier New" panose="02070309020205020404" pitchFamily="49" charset="0"/>
-                <a:cs typeface="Courier New" panose="02070309020205020404" pitchFamily="49" charset="0"/>
-              </a:rPr>
-              <a:t>2</a:t>
-            </a:r>
-          </a:p>
-          <a:p>
-            <a:endParaRPr lang="en-US" dirty="0" smtClean="0">
-              <a:latin typeface="Courier New" panose="02070309020205020404" pitchFamily="49" charset="0"/>
-              <a:cs typeface="Courier New" panose="02070309020205020404" pitchFamily="49" charset="0"/>
-            </a:endParaRPr>
-          </a:p>
-          <a:p>
-            <a:r>
-              <a:rPr lang="en-US" dirty="0" smtClean="0"/>
-              <a:t>Stored in a file called a </a:t>
-            </a:r>
-            <a:r>
-              <a:rPr lang="en-US" b="1" dirty="0" smtClean="0"/>
-              <a:t>script</a:t>
-            </a:r>
-            <a:r>
-              <a:rPr lang="en-US" dirty="0" smtClean="0"/>
-              <a:t>(usually ending in </a:t>
-            </a:r>
-            <a:r>
-              <a:rPr lang="en-US" dirty="0" smtClean="0">
-                <a:latin typeface="Courier New" panose="02070309020205020404" pitchFamily="49" charset="0"/>
-                <a:cs typeface="Courier New" panose="02070309020205020404" pitchFamily="49" charset="0"/>
-              </a:rPr>
-              <a:t>.</a:t>
-            </a:r>
-            <a:r>
-              <a:rPr lang="en-US" dirty="0" err="1" smtClean="0">
-                <a:latin typeface="Courier New" panose="02070309020205020404" pitchFamily="49" charset="0"/>
-                <a:cs typeface="Courier New" panose="02070309020205020404" pitchFamily="49" charset="0"/>
-              </a:rPr>
-              <a:t>py</a:t>
-            </a:r>
-            <a:r>
-              <a:rPr lang="en-US" dirty="0" smtClean="0"/>
-              <a:t>) that can later be executed.</a:t>
-            </a:r>
-          </a:p>
-          <a:p>
-            <a:endParaRPr lang="en-US" dirty="0" smtClean="0"/>
-          </a:p>
-          <a:p>
-            <a:r>
-              <a:rPr lang="en-US" dirty="0" smtClean="0"/>
-              <a:t>These two execution methods are known as </a:t>
-            </a:r>
-            <a:r>
-              <a:rPr lang="en-US" b="1" dirty="0" smtClean="0"/>
-              <a:t>interactive mode </a:t>
-            </a:r>
-            <a:r>
-              <a:rPr lang="en-US" dirty="0" smtClean="0"/>
-              <a:t>and </a:t>
-            </a:r>
-            <a:r>
-              <a:rPr lang="en-US" b="1" dirty="0" smtClean="0"/>
-              <a:t>script mode</a:t>
-            </a:r>
-            <a:r>
-              <a:rPr lang="en-US" dirty="0" smtClean="0"/>
-              <a:t>.</a:t>
+            <a:pPr marL="400050" lvl="1" indent="0">
+              <a:buNone/>
+            </a:pPr>
+            <a:r>
+              <a:rPr lang="en-US" dirty="0"/>
+              <a:t>There are many ways to run a python script or program. Because running Python is the most important thing we’ll do in this class let’s review these various ways now:</a:t>
             </a:r>
           </a:p>
         </p:txBody>
@@ -4531,7 +4336,7 @@
     </p:spTree>
     <p:extLst>
       <p:ext uri="{BB962C8B-B14F-4D97-AF65-F5344CB8AC3E}">
-        <p14:creationId xmlns:p14="http://schemas.microsoft.com/office/powerpoint/2010/main" val="1312308966"/>
+        <p14:creationId xmlns:p14="http://schemas.microsoft.com/office/powerpoint/2010/main" val="4129454249"/>
       </p:ext>
     </p:extLst>
   </p:cSld>
@@ -4574,10 +4379,9 @@
           <a:lstStyle/>
           <a:p>
             <a:r>
-              <a:rPr lang="en-US" dirty="0" smtClean="0"/>
-              <a:t>Running Python</a:t>
-            </a:r>
-            <a:endParaRPr lang="en-US" dirty="0"/>
+              <a:rPr lang="en-US" dirty="0"/>
+              <a:t>CLI with Files and a Text Editor / Windows</a:t>
+            </a:r>
           </a:p>
         </p:txBody>
       </p:sp>
@@ -4596,12 +4400,108 @@
           <a:bodyPr/>
           <a:lstStyle/>
           <a:p>
-            <a:pPr marL="400050" lvl="1" indent="0">
-              <a:buNone/>
-            </a:pPr>
-            <a:r>
-              <a:rPr lang="en-US" dirty="0" smtClean="0"/>
-              <a:t>There are many ways to run a python script or program. Because running Python is the most important thing we’ll do in this class let’s review these various ways now:</a:t>
+            <a:r>
+              <a:rPr lang="en-US" sz="2000" dirty="0"/>
+              <a:t>To run a python script in Windows from the command line with files we use the </a:t>
+            </a:r>
+            <a:r>
+              <a:rPr lang="en-US" sz="2000" dirty="0" err="1">
+                <a:latin typeface="Courier New" panose="02070309020205020404" pitchFamily="49" charset="0"/>
+                <a:cs typeface="Courier New" panose="02070309020205020404" pitchFamily="49" charset="0"/>
+              </a:rPr>
+              <a:t>py</a:t>
+            </a:r>
+            <a:r>
+              <a:rPr lang="en-US" sz="2000" dirty="0"/>
+              <a:t> command (a new feature introduced in Python 3.3 installer) and edit the .</a:t>
+            </a:r>
+            <a:r>
+              <a:rPr lang="en-US" sz="2000" dirty="0" err="1">
+                <a:latin typeface="Courier New" panose="02070309020205020404" pitchFamily="49" charset="0"/>
+                <a:cs typeface="Courier New" panose="02070309020205020404" pitchFamily="49" charset="0"/>
+              </a:rPr>
+              <a:t>py</a:t>
+            </a:r>
+            <a:r>
+              <a:rPr lang="en-US" sz="2000" dirty="0"/>
+              <a:t> files in a text editor.</a:t>
+            </a:r>
+          </a:p>
+          <a:p>
+            <a:endParaRPr lang="en-US" sz="2000" dirty="0"/>
+          </a:p>
+          <a:p>
+            <a:r>
+              <a:rPr lang="en-US" sz="2000" dirty="0"/>
+              <a:t>Setup </a:t>
+            </a:r>
+            <a:r>
+              <a:rPr lang="en-US" sz="2000" dirty="0">
+                <a:latin typeface="Courier New" panose="02070309020205020404" pitchFamily="49" charset="0"/>
+                <a:cs typeface="Courier New" panose="02070309020205020404" pitchFamily="49" charset="0"/>
+              </a:rPr>
+              <a:t>PATH</a:t>
+            </a:r>
+            <a:r>
+              <a:rPr lang="en-US" sz="2000" dirty="0"/>
+              <a:t> variables to Sublime Text</a:t>
+            </a:r>
+          </a:p>
+          <a:p>
+            <a:r>
+              <a:rPr lang="en-US" sz="2000" dirty="0"/>
+              <a:t>Example:</a:t>
+            </a:r>
+          </a:p>
+          <a:p>
+            <a:pPr lvl="1"/>
+            <a:r>
+              <a:rPr lang="en-US" sz="2000" dirty="0"/>
+              <a:t>Command Prompt</a:t>
+            </a:r>
+          </a:p>
+          <a:p>
+            <a:pPr lvl="2"/>
+            <a:r>
+              <a:rPr lang="en-US" sz="2000" dirty="0">
+                <a:latin typeface="Courier New" panose="02070309020205020404" pitchFamily="49" charset="0"/>
+                <a:cs typeface="Courier New" panose="02070309020205020404" pitchFamily="49" charset="0"/>
+              </a:rPr>
+              <a:t>d:\code\usu&gt; code pyexample.py</a:t>
+            </a:r>
+          </a:p>
+          <a:p>
+            <a:pPr lvl="2"/>
+            <a:r>
+              <a:rPr lang="en-US" sz="2000" dirty="0">
+                <a:latin typeface="Courier New" panose="02070309020205020404" pitchFamily="49" charset="0"/>
+                <a:cs typeface="Courier New" panose="02070309020205020404" pitchFamily="49" charset="0"/>
+              </a:rPr>
+              <a:t># Edit code in VS Code(or whichever text editor you are using)…</a:t>
+            </a:r>
+          </a:p>
+          <a:p>
+            <a:pPr lvl="2"/>
+            <a:r>
+              <a:rPr lang="en-US" sz="2000" dirty="0">
+                <a:latin typeface="Courier New" panose="02070309020205020404" pitchFamily="49" charset="0"/>
+                <a:cs typeface="Courier New" panose="02070309020205020404" pitchFamily="49" charset="0"/>
+              </a:rPr>
+              <a:t>d:\code\usu&gt; </a:t>
+            </a:r>
+            <a:r>
+              <a:rPr lang="en-US" sz="2000" dirty="0" err="1">
+                <a:latin typeface="Courier New" panose="02070309020205020404" pitchFamily="49" charset="0"/>
+                <a:cs typeface="Courier New" panose="02070309020205020404" pitchFamily="49" charset="0"/>
+              </a:rPr>
+              <a:t>py</a:t>
+            </a:r>
+            <a:r>
+              <a:rPr lang="en-US" sz="2000" dirty="0">
+                <a:latin typeface="Courier New" panose="02070309020205020404" pitchFamily="49" charset="0"/>
+                <a:cs typeface="Courier New" panose="02070309020205020404" pitchFamily="49" charset="0"/>
+              </a:rPr>
+              <a:t> -3.7 pyexample.py</a:t>
             </a:r>
           </a:p>
         </p:txBody>
@@ -4609,7 +4509,7 @@
     </p:spTree>
     <p:extLst>
       <p:ext uri="{BB962C8B-B14F-4D97-AF65-F5344CB8AC3E}">
-        <p14:creationId xmlns:p14="http://schemas.microsoft.com/office/powerpoint/2010/main" val="4129454249"/>
+        <p14:creationId xmlns:p14="http://schemas.microsoft.com/office/powerpoint/2010/main" val="1057992949"/>
       </p:ext>
     </p:extLst>
   </p:cSld>
@@ -4652,10 +4552,9 @@
           <a:lstStyle/>
           <a:p>
             <a:r>
-              <a:rPr lang="en-US" dirty="0" smtClean="0"/>
-              <a:t>CLI with Files and a Text Editor / Windows</a:t>
-            </a:r>
-            <a:endParaRPr lang="en-US" dirty="0"/>
+              <a:rPr lang="en-US" dirty="0"/>
+              <a:t>CLI Interactive</a:t>
+            </a:r>
           </a:p>
         </p:txBody>
       </p:sp>
@@ -4675,121 +4574,34 @@
           <a:lstStyle/>
           <a:p>
             <a:r>
-              <a:rPr lang="en-US" sz="2000" dirty="0" smtClean="0"/>
-              <a:t>To run a python script in Windows from the command line with files we use the </a:t>
-            </a:r>
-            <a:r>
-              <a:rPr lang="en-US" sz="2000" dirty="0" err="1" smtClean="0">
-                <a:latin typeface="Courier New" panose="02070309020205020404" pitchFamily="49" charset="0"/>
-                <a:cs typeface="Courier New" panose="02070309020205020404" pitchFamily="49" charset="0"/>
-              </a:rPr>
-              <a:t>py</a:t>
-            </a:r>
-            <a:r>
-              <a:rPr lang="en-US" sz="2000" dirty="0" smtClean="0"/>
-              <a:t> command (a new feature introduced in Python 3.3 installer) and edit the .</a:t>
-            </a:r>
-            <a:r>
-              <a:rPr lang="en-US" sz="2000" dirty="0" err="1" smtClean="0">
-                <a:latin typeface="Courier New" panose="02070309020205020404" pitchFamily="49" charset="0"/>
-                <a:cs typeface="Courier New" panose="02070309020205020404" pitchFamily="49" charset="0"/>
-              </a:rPr>
-              <a:t>py</a:t>
-            </a:r>
-            <a:r>
-              <a:rPr lang="en-US" sz="2000" dirty="0" smtClean="0"/>
-              <a:t> files in a text editor.</a:t>
-            </a:r>
-          </a:p>
-          <a:p>
-            <a:endParaRPr lang="en-US" sz="2000" dirty="0" smtClean="0"/>
-          </a:p>
-          <a:p>
-            <a:r>
-              <a:rPr lang="en-US" sz="2000" dirty="0" smtClean="0"/>
-              <a:t>Setup </a:t>
-            </a:r>
-            <a:r>
-              <a:rPr lang="en-US" sz="2000" dirty="0" smtClean="0">
-                <a:latin typeface="Courier New" panose="02070309020205020404" pitchFamily="49" charset="0"/>
-                <a:cs typeface="Courier New" panose="02070309020205020404" pitchFamily="49" charset="0"/>
-              </a:rPr>
-              <a:t>PATH</a:t>
-            </a:r>
-            <a:r>
-              <a:rPr lang="en-US" sz="2000" dirty="0" smtClean="0"/>
-              <a:t> variables to Sublime Text</a:t>
-            </a:r>
-          </a:p>
-          <a:p>
-            <a:r>
-              <a:rPr lang="en-US" sz="2000" dirty="0" smtClean="0"/>
-              <a:t>Example:</a:t>
+              <a:rPr lang="en-US" dirty="0"/>
+              <a:t>If you want to run a quick expression without using a file to store the code then Windows, Linux, Unix, Mac, etc… all support interactive python coding. </a:t>
+            </a:r>
+          </a:p>
+          <a:p>
+            <a:r>
+              <a:rPr lang="en-US" dirty="0"/>
+              <a:t>Remember that the code is not saved anywhere when running in interactive mode!</a:t>
+            </a:r>
+          </a:p>
+          <a:p>
+            <a:r>
+              <a:rPr lang="en-US" dirty="0"/>
+              <a:t>Example</a:t>
             </a:r>
           </a:p>
           <a:p>
             <a:pPr lvl="1"/>
             <a:r>
-              <a:rPr lang="en-US" sz="2000" dirty="0" smtClean="0"/>
-              <a:t>Command Prompt</a:t>
-            </a:r>
-          </a:p>
-          <a:p>
-            <a:pPr lvl="2"/>
-            <a:r>
-              <a:rPr lang="en-US" sz="2000" dirty="0" smtClean="0">
-                <a:latin typeface="Courier New" panose="02070309020205020404" pitchFamily="49" charset="0"/>
-                <a:cs typeface="Courier New" panose="02070309020205020404" pitchFamily="49" charset="0"/>
-              </a:rPr>
-              <a:t>d:\code\usu&gt; code pyexample.py</a:t>
-            </a:r>
-          </a:p>
-          <a:p>
-            <a:pPr lvl="2"/>
-            <a:r>
-              <a:rPr lang="en-US" sz="2000" dirty="0" smtClean="0">
-                <a:latin typeface="Courier New" panose="02070309020205020404" pitchFamily="49" charset="0"/>
-                <a:cs typeface="Courier New" panose="02070309020205020404" pitchFamily="49" charset="0"/>
-              </a:rPr>
-              <a:t># Edit code in VS Code(or whichever text editor you are using)…</a:t>
-            </a:r>
-          </a:p>
-          <a:p>
-            <a:pPr lvl="2"/>
-            <a:r>
-              <a:rPr lang="en-US" sz="2000" dirty="0" smtClean="0">
-                <a:latin typeface="Courier New" panose="02070309020205020404" pitchFamily="49" charset="0"/>
-                <a:cs typeface="Courier New" panose="02070309020205020404" pitchFamily="49" charset="0"/>
-              </a:rPr>
-              <a:t>d:\code\usu&gt; </a:t>
-            </a:r>
-            <a:r>
-              <a:rPr lang="en-US" sz="2000" dirty="0" err="1" smtClean="0">
-                <a:latin typeface="Courier New" panose="02070309020205020404" pitchFamily="49" charset="0"/>
-                <a:cs typeface="Courier New" panose="02070309020205020404" pitchFamily="49" charset="0"/>
-              </a:rPr>
-              <a:t>py</a:t>
-            </a:r>
-            <a:r>
-              <a:rPr lang="en-US" sz="2000" dirty="0" smtClean="0">
-                <a:latin typeface="Courier New" panose="02070309020205020404" pitchFamily="49" charset="0"/>
-                <a:cs typeface="Courier New" panose="02070309020205020404" pitchFamily="49" charset="0"/>
-              </a:rPr>
-              <a:t> -</a:t>
-            </a:r>
-            <a:r>
-              <a:rPr lang="en-US" sz="2000" dirty="0" smtClean="0">
-                <a:latin typeface="Courier New" panose="02070309020205020404" pitchFamily="49" charset="0"/>
-                <a:cs typeface="Courier New" panose="02070309020205020404" pitchFamily="49" charset="0"/>
-              </a:rPr>
-              <a:t>3.7 </a:t>
-            </a:r>
-            <a:r>
-              <a:rPr lang="en-US" sz="2000" dirty="0" smtClean="0">
-                <a:latin typeface="Courier New" panose="02070309020205020404" pitchFamily="49" charset="0"/>
-                <a:cs typeface="Courier New" panose="02070309020205020404" pitchFamily="49" charset="0"/>
-              </a:rPr>
-              <a:t>pyexample.py</a:t>
+              <a:rPr lang="en-US" dirty="0"/>
+              <a:t>Windows </a:t>
+            </a:r>
+          </a:p>
+          <a:p>
+            <a:pPr lvl="1"/>
+            <a:r>
+              <a:rPr lang="en-US" dirty="0"/>
+              <a:t>Linux (Ubuntu)</a:t>
             </a:r>
           </a:p>
         </p:txBody>
@@ -4797,7 +4609,7 @@
     </p:spTree>
     <p:extLst>
       <p:ext uri="{BB962C8B-B14F-4D97-AF65-F5344CB8AC3E}">
-        <p14:creationId xmlns:p14="http://schemas.microsoft.com/office/powerpoint/2010/main" val="1057992949"/>
+        <p14:creationId xmlns:p14="http://schemas.microsoft.com/office/powerpoint/2010/main" val="1528128954"/>
       </p:ext>
     </p:extLst>
   </p:cSld>
@@ -4840,10 +4652,9 @@
           <a:lstStyle/>
           <a:p>
             <a:r>
-              <a:rPr lang="en-US" dirty="0" smtClean="0"/>
+              <a:rPr lang="en-US" dirty="0"/>
               <a:t>Welcome</a:t>
             </a:r>
-            <a:endParaRPr lang="en-US" dirty="0"/>
           </a:p>
         </p:txBody>
       </p:sp>
@@ -4863,7 +4674,7 @@
           <a:lstStyle/>
           <a:p>
             <a:r>
-              <a:rPr lang="en-US" dirty="0" smtClean="0"/>
+              <a:rPr lang="en-US" dirty="0"/>
               <a:t>Let’s all get to know each other just a little bit….</a:t>
             </a:r>
           </a:p>
@@ -4957,10 +4768,9 @@
           <a:lstStyle/>
           <a:p>
             <a:r>
-              <a:rPr lang="en-US" dirty="0" smtClean="0"/>
-              <a:t>CLI Interactive</a:t>
-            </a:r>
-            <a:endParaRPr lang="en-US" dirty="0"/>
+              <a:rPr lang="en-US" dirty="0"/>
+              <a:t>IDLE</a:t>
+            </a:r>
           </a:p>
         </p:txBody>
       </p:sp>
@@ -4974,50 +4784,66 @@
             <p:ph idx="1"/>
           </p:nvPr>
         </p:nvSpPr>
-        <p:spPr/>
+        <p:spPr>
+          <a:xfrm>
+            <a:off x="685800" y="1153297"/>
+            <a:ext cx="7772400" cy="4942703"/>
+          </a:xfrm>
+        </p:spPr>
         <p:txBody>
           <a:bodyPr/>
           <a:lstStyle/>
           <a:p>
             <a:r>
-              <a:rPr lang="en-US" dirty="0" smtClean="0"/>
-              <a:t>If you want to run a quick expression without using a file to store the code then Windows, Linux, Unix, Mac, etc… all support interactive python coding. </a:t>
-            </a:r>
-            <a:endParaRPr lang="en-US" dirty="0"/>
-          </a:p>
-          <a:p>
-            <a:r>
-              <a:rPr lang="en-US" dirty="0" smtClean="0"/>
-              <a:t>Remember that the code is not saved anywhere when running in interactive mode!</a:t>
-            </a:r>
-          </a:p>
-          <a:p>
-            <a:r>
-              <a:rPr lang="en-US" dirty="0" smtClean="0"/>
-              <a:t>Example</a:t>
+              <a:rPr lang="en-US" dirty="0"/>
+              <a:t>IDLE is build right into Python distribution. There is a separate GUI for each version. </a:t>
+            </a:r>
+          </a:p>
+          <a:p>
+            <a:r>
+              <a:rPr lang="en-US" dirty="0"/>
+              <a:t>This is how I will do most of my quick samples because it has built in syntax highlighting and I know everyone (should) have it. </a:t>
+            </a:r>
+          </a:p>
+          <a:p>
+            <a:r>
+              <a:rPr lang="en-US" dirty="0"/>
+              <a:t>IDLE with files is more difficult (aka modules)</a:t>
             </a:r>
           </a:p>
           <a:p>
             <a:pPr lvl="1"/>
             <a:r>
-              <a:rPr lang="en-US" dirty="0" smtClean="0"/>
-              <a:t>Windows </a:t>
+              <a:rPr lang="en-US" dirty="0"/>
+              <a:t>File-&gt;New File</a:t>
             </a:r>
           </a:p>
           <a:p>
             <a:pPr lvl="1"/>
             <a:r>
-              <a:rPr lang="en-US" dirty="0" smtClean="0"/>
-              <a:t>Linux (Ubuntu)</a:t>
-            </a:r>
-            <a:endParaRPr lang="en-US" dirty="0"/>
+              <a:rPr lang="en-US" dirty="0"/>
+              <a:t>F5 or “Run-&gt; Run Module” (Must Save)</a:t>
+            </a:r>
+          </a:p>
+          <a:p>
+            <a:r>
+              <a:rPr lang="en-US" dirty="0"/>
+              <a:t>IDLE interactively </a:t>
+            </a:r>
+          </a:p>
+          <a:p>
+            <a:pPr lvl="1"/>
+            <a:r>
+              <a:rPr lang="en-US" dirty="0"/>
+              <a:t>Fastest way to try new things, but will not work if you want to save code. </a:t>
+            </a:r>
           </a:p>
         </p:txBody>
       </p:sp>
     </p:spTree>
     <p:extLst>
       <p:ext uri="{BB962C8B-B14F-4D97-AF65-F5344CB8AC3E}">
-        <p14:creationId xmlns:p14="http://schemas.microsoft.com/office/powerpoint/2010/main" val="1528128954"/>
+        <p14:creationId xmlns:p14="http://schemas.microsoft.com/office/powerpoint/2010/main" val="3633268321"/>
       </p:ext>
     </p:extLst>
   </p:cSld>
@@ -5060,10 +4886,9 @@
           <a:lstStyle/>
           <a:p>
             <a:r>
-              <a:rPr lang="en-US" dirty="0" smtClean="0"/>
-              <a:t>IDLE</a:t>
-            </a:r>
-            <a:endParaRPr lang="en-US" dirty="0"/>
+              <a:rPr lang="en-US" dirty="0"/>
+              <a:t>IDE’s</a:t>
+            </a:r>
           </a:p>
         </p:txBody>
       </p:sp>
@@ -5077,169 +4902,49 @@
             <p:ph idx="1"/>
           </p:nvPr>
         </p:nvSpPr>
-        <p:spPr>
-          <a:xfrm>
-            <a:off x="685800" y="1153297"/>
-            <a:ext cx="7772400" cy="4942703"/>
-          </a:xfrm>
-        </p:spPr>
+        <p:spPr/>
         <p:txBody>
           <a:bodyPr/>
           <a:lstStyle/>
           <a:p>
             <a:r>
-              <a:rPr lang="en-US" dirty="0" smtClean="0"/>
-              <a:t>IDLE is build right into Python distribution. There is a separate GUI for each version. </a:t>
-            </a:r>
-          </a:p>
-          <a:p>
-            <a:r>
-              <a:rPr lang="en-US" dirty="0" smtClean="0"/>
-              <a:t>This is how I will do most of my quick samples because it has built in syntax highlighting and I know everyone (should) have it. </a:t>
-            </a:r>
-          </a:p>
-          <a:p>
-            <a:r>
-              <a:rPr lang="en-US" dirty="0" smtClean="0"/>
-              <a:t>IDLE with files is more difficult (aka modules)</a:t>
+              <a:rPr lang="en-US" dirty="0"/>
+              <a:t>We will use </a:t>
+            </a:r>
+            <a:r>
+              <a:rPr lang="en-US" dirty="0" err="1"/>
+              <a:t>PyCharm</a:t>
+            </a:r>
+            <a:r>
+              <a:rPr lang="en-US" dirty="0"/>
+              <a:t> in the course this semester… </a:t>
             </a:r>
           </a:p>
           <a:p>
             <a:pPr lvl="1"/>
             <a:r>
-              <a:rPr lang="en-US" dirty="0" smtClean="0"/>
-              <a:t>File-&gt;New File</a:t>
+              <a:rPr lang="en-US" dirty="0"/>
+              <a:t>Professional Edition Free to Students!</a:t>
             </a:r>
           </a:p>
           <a:p>
             <a:pPr lvl="1"/>
             <a:r>
-              <a:rPr lang="en-US" dirty="0" smtClean="0"/>
-              <a:t>F5 or “Run-&gt; Run Module” (Must Save)</a:t>
-            </a:r>
-          </a:p>
-          <a:p>
-            <a:r>
-              <a:rPr lang="en-US" dirty="0" smtClean="0"/>
-              <a:t>IDLE interactively </a:t>
+              <a:rPr lang="en-US" dirty="0"/>
+              <a:t>Cross-Platform </a:t>
             </a:r>
           </a:p>
           <a:p>
             <a:pPr lvl="1"/>
             <a:r>
-              <a:rPr lang="en-US" dirty="0" smtClean="0"/>
-              <a:t>Fastest way to try new things, but will not work if you want to save code. </a:t>
-            </a:r>
-            <a:endParaRPr lang="en-US" dirty="0"/>
-          </a:p>
-        </p:txBody>
-      </p:sp>
-    </p:spTree>
-    <p:extLst>
-      <p:ext uri="{BB962C8B-B14F-4D97-AF65-F5344CB8AC3E}">
-        <p14:creationId xmlns:p14="http://schemas.microsoft.com/office/powerpoint/2010/main" val="3633268321"/>
-      </p:ext>
-    </p:extLst>
-  </p:cSld>
-  <p:clrMapOvr>
-    <a:masterClrMapping/>
-  </p:clrMapOvr>
-</p:sld>
-</file>
-
-<file path=ppt/slides/slide32.xml><?xml version="1.0" encoding="utf-8"?>
-<p:sld xmlns:a="http://schemas.openxmlformats.org/drawingml/2006/main" xmlns:r="http://schemas.openxmlformats.org/officeDocument/2006/relationships" xmlns:p="http://schemas.openxmlformats.org/presentationml/2006/main">
-  <p:cSld>
-    <p:spTree>
-      <p:nvGrpSpPr>
-        <p:cNvPr id="1" name=""/>
-        <p:cNvGrpSpPr/>
-        <p:nvPr/>
-      </p:nvGrpSpPr>
-      <p:grpSpPr>
-        <a:xfrm>
-          <a:off x="0" y="0"/>
-          <a:ext cx="0" cy="0"/>
-          <a:chOff x="0" y="0"/>
-          <a:chExt cx="0" cy="0"/>
-        </a:xfrm>
-      </p:grpSpPr>
-      <p:sp>
-        <p:nvSpPr>
-          <p:cNvPr id="2" name="Title 1"/>
-          <p:cNvSpPr>
-            <a:spLocks noGrp="1"/>
-          </p:cNvSpPr>
-          <p:nvPr>
-            <p:ph type="title"/>
-          </p:nvPr>
-        </p:nvSpPr>
-        <p:spPr/>
-        <p:txBody>
-          <a:bodyPr/>
-          <a:lstStyle/>
-          <a:p>
-            <a:r>
-              <a:rPr lang="en-US" dirty="0" smtClean="0"/>
-              <a:t>IDE’s</a:t>
-            </a:r>
-            <a:endParaRPr lang="en-US" dirty="0"/>
-          </a:p>
-        </p:txBody>
-      </p:sp>
-      <p:sp>
-        <p:nvSpPr>
-          <p:cNvPr id="3" name="Content Placeholder 2"/>
-          <p:cNvSpPr>
-            <a:spLocks noGrp="1"/>
-          </p:cNvSpPr>
-          <p:nvPr>
-            <p:ph idx="1"/>
-          </p:nvPr>
-        </p:nvSpPr>
-        <p:spPr/>
-        <p:txBody>
-          <a:bodyPr/>
-          <a:lstStyle/>
-          <a:p>
-            <a:r>
-              <a:rPr lang="en-US" dirty="0" smtClean="0"/>
-              <a:t>We will use </a:t>
-            </a:r>
-            <a:r>
-              <a:rPr lang="en-US" dirty="0" err="1" smtClean="0"/>
-              <a:t>PyCharm</a:t>
-            </a:r>
-            <a:r>
-              <a:rPr lang="en-US" dirty="0" smtClean="0"/>
-              <a:t> in the course this semester… </a:t>
+              <a:rPr lang="en-US" dirty="0"/>
+              <a:t>Jet Brains makes good IDEs.</a:t>
             </a:r>
           </a:p>
           <a:p>
             <a:pPr lvl="1"/>
             <a:r>
-              <a:rPr lang="en-US" dirty="0" smtClean="0"/>
-              <a:t>Professional Edition Free to Students!</a:t>
-            </a:r>
-          </a:p>
-          <a:p>
-            <a:pPr lvl="1"/>
-            <a:r>
-              <a:rPr lang="en-US" dirty="0" smtClean="0"/>
-              <a:t>Cross-Platform </a:t>
-            </a:r>
-          </a:p>
-          <a:p>
-            <a:pPr lvl="1"/>
-            <a:r>
-              <a:rPr lang="en-US" dirty="0" smtClean="0"/>
-              <a:t>Jet Brains makes good IDEs.</a:t>
-            </a:r>
-          </a:p>
-          <a:p>
-            <a:pPr lvl="1"/>
-            <a:r>
-              <a:rPr lang="en-US" dirty="0" smtClean="0"/>
+              <a:rPr lang="en-US" dirty="0"/>
               <a:t>If you want to use another IDE or development method, that is fine with me. </a:t>
             </a:r>
           </a:p>
@@ -5468,7 +5173,7 @@
 </p:sld>
 </file>
 
-<file path=ppt/slides/slide33.xml><?xml version="1.0" encoding="utf-8"?>
+<file path=ppt/slides/slide32.xml><?xml version="1.0" encoding="utf-8"?>
 <p:sld xmlns:a="http://schemas.openxmlformats.org/drawingml/2006/main" xmlns:r="http://schemas.openxmlformats.org/officeDocument/2006/relationships" xmlns:p="http://schemas.openxmlformats.org/presentationml/2006/main">
   <p:cSld>
     <p:spTree>
@@ -5501,16 +5206,21 @@
           <a:lstStyle/>
           <a:p>
             <a:r>
-              <a:rPr lang="en-US" dirty="0" smtClean="0"/>
+              <a:rPr lang="en-US" dirty="0"/>
               <a:t>Awe…. Python</a:t>
             </a:r>
-            <a:endParaRPr lang="en-US" dirty="0"/>
           </a:p>
         </p:txBody>
       </p:sp>
       <p:pic>
         <p:nvPicPr>
-          <p:cNvPr id="4" name="Content Placeholder 3"/>
+          <p:cNvPr id="6" name="Content Placeholder 5" descr="A close up of a logo&#10;&#10;Description automatically generated">
+            <a:extLst>
+              <a:ext uri="{FF2B5EF4-FFF2-40B4-BE49-F238E27FC236}">
+                <a16:creationId xmlns:a16="http://schemas.microsoft.com/office/drawing/2014/main" id="{EE6A63AB-5565-5649-9FD0-4B393B7C280C}"/>
+              </a:ext>
+            </a:extLst>
+          </p:cNvPr>
           <p:cNvPicPr>
             <a:picLocks noGrp="1" noChangeAspect="1"/>
           </p:cNvPicPr>
@@ -5532,8 +5242,8 @@
         </p:blipFill>
         <p:spPr>
           <a:xfrm>
-            <a:off x="1503391" y="1324598"/>
-            <a:ext cx="5915025" cy="3886200"/>
+            <a:off x="1473200" y="1447800"/>
+            <a:ext cx="6197600" cy="4648200"/>
           </a:xfrm>
         </p:spPr>
       </p:pic>
@@ -5550,7 +5260,7 @@
 </p:sld>
 </file>
 
-<file path=ppt/slides/slide34.xml><?xml version="1.0" encoding="utf-8"?>
+<file path=ppt/slides/slide33.xml><?xml version="1.0" encoding="utf-8"?>
 <p:sld xmlns:a="http://schemas.openxmlformats.org/drawingml/2006/main" xmlns:r="http://schemas.openxmlformats.org/officeDocument/2006/relationships" xmlns:p="http://schemas.openxmlformats.org/presentationml/2006/main">
   <p:cSld>
     <p:spTree>
@@ -5583,10 +5293,9 @@
           <a:lstStyle/>
           <a:p>
             <a:r>
-              <a:rPr lang="en-US" dirty="0" smtClean="0"/>
+              <a:rPr lang="en-US" dirty="0"/>
               <a:t>The Zen of Python</a:t>
             </a:r>
-            <a:endParaRPr lang="en-US" dirty="0"/>
           </a:p>
         </p:txBody>
       </p:sp>
@@ -5614,7 +5323,7 @@
               <a:buNone/>
             </a:pPr>
             <a:r>
-              <a:rPr lang="en-US" sz="1200" dirty="0" smtClean="0">
+              <a:rPr lang="en-US" sz="1200" dirty="0">
                 <a:latin typeface="Courier New" panose="02070309020205020404" pitchFamily="49" charset="0"/>
                 <a:cs typeface="Courier New" panose="02070309020205020404" pitchFamily="49" charset="0"/>
               </a:rPr>
@@ -5626,12 +5335,8 @@
               <a:buNone/>
             </a:pPr>
             <a:r>
-              <a:rPr lang="en-US" sz="1200" b="1" dirty="0" smtClean="0"/>
-              <a:t>The </a:t>
-            </a:r>
-            <a:r>
               <a:rPr lang="en-US" sz="1200" b="1" dirty="0"/>
-              <a:t>Zen of Python, by Tim Peters</a:t>
+              <a:t>The Zen of Python, by Tim Peters</a:t>
             </a:r>
           </a:p>
           <a:p>
@@ -5889,10 +5594,9 @@
           <a:lstStyle/>
           <a:p>
             <a:r>
-              <a:rPr lang="en-US" dirty="0" smtClean="0"/>
+              <a:rPr lang="en-US" dirty="0"/>
               <a:t>About Me</a:t>
             </a:r>
-            <a:endParaRPr lang="en-US" dirty="0"/>
           </a:p>
         </p:txBody>
       </p:sp>
@@ -5912,87 +5616,87 @@
           <a:lstStyle/>
           <a:p>
             <a:r>
-              <a:rPr lang="en-US" sz="2000" dirty="0" smtClean="0"/>
+              <a:rPr lang="en-US" sz="2000" dirty="0"/>
               <a:t>USU – Jon M. Huntsman College of Business MIS degree in 2008.</a:t>
             </a:r>
           </a:p>
           <a:p>
             <a:r>
-              <a:rPr lang="en-US" sz="2000" dirty="0" smtClean="0"/>
-              <a:t>Continuing Education (seeking MS in GIS @ Penn St.)</a:t>
-            </a:r>
-          </a:p>
-          <a:p>
-            <a:r>
-              <a:rPr lang="en-US" sz="2000" dirty="0" smtClean="0"/>
+              <a:rPr lang="en-US" sz="2000" dirty="0"/>
+              <a:t>Continuing Education (seeking MS in GIS @ University of Wisconsin at Madison)</a:t>
+            </a:r>
+          </a:p>
+          <a:p>
+            <a:r>
+              <a:rPr lang="en-US" sz="2000" dirty="0"/>
               <a:t>SQL Developer and Reference Data Engineer for 4 years in Colorado at </a:t>
             </a:r>
             <a:r>
-              <a:rPr lang="en-US" sz="2000" dirty="0" err="1" smtClean="0">
+              <a:rPr lang="en-US" sz="2000" dirty="0" err="1">
                 <a:hlinkClick r:id="rId2"/>
               </a:rPr>
               <a:t>Markit</a:t>
             </a:r>
             <a:r>
-              <a:rPr lang="en-US" sz="2000" dirty="0" smtClean="0"/>
+              <a:rPr lang="en-US" sz="2000" dirty="0"/>
               <a:t>. Worked with huge amounts of data, creating white-label technology for financial websites. </a:t>
             </a:r>
           </a:p>
           <a:p>
             <a:r>
-              <a:rPr lang="en-US" sz="2000" dirty="0" smtClean="0"/>
+              <a:rPr lang="en-US" sz="2000" dirty="0"/>
               <a:t>Currently Senior .NET Software Developer at </a:t>
             </a:r>
             <a:r>
-              <a:rPr lang="en-US" sz="2000" dirty="0" smtClean="0">
+              <a:rPr lang="en-US" sz="2000" dirty="0">
                 <a:hlinkClick r:id="rId3"/>
               </a:rPr>
               <a:t>CSC</a:t>
             </a:r>
             <a:r>
-              <a:rPr lang="en-US" sz="2000" dirty="0" smtClean="0"/>
+              <a:rPr lang="en-US" sz="2000" dirty="0"/>
               <a:t> in Logan. Focus on “backend” technologies, SQL Server, Web API, </a:t>
             </a:r>
             <a:r>
-              <a:rPr lang="en-US" sz="2000" dirty="0" err="1" smtClean="0"/>
+              <a:rPr lang="en-US" sz="2000" dirty="0" err="1"/>
               <a:t>Solr</a:t>
             </a:r>
             <a:r>
-              <a:rPr lang="en-US" sz="2000" dirty="0" smtClean="0"/>
-              <a:t>, </a:t>
-            </a:r>
-            <a:r>
-              <a:rPr lang="en-US" sz="2000" dirty="0" err="1" smtClean="0"/>
-              <a:t>Microservices</a:t>
-            </a:r>
-            <a:r>
-              <a:rPr lang="en-US" sz="2000" dirty="0" smtClean="0"/>
+              <a:rPr lang="en-US" sz="2000" dirty="0"/>
+              <a:t>, Microservices, 3</a:t>
+            </a:r>
+            <a:r>
+              <a:rPr lang="en-US" sz="2000" baseline="30000" dirty="0"/>
+              <a:t>rd</a:t>
+            </a:r>
+            <a:r>
+              <a:rPr lang="en-US" sz="2000" dirty="0"/>
+              <a:t> Party Integrations. </a:t>
+            </a:r>
+          </a:p>
+          <a:p>
+            <a:r>
+              <a:rPr lang="en-US" sz="2000" dirty="0"/>
+              <a:t>Brief role at startup (Degreed). SQL Azure, .NET, </a:t>
+            </a:r>
+            <a:r>
+              <a:rPr lang="en-US" sz="2000" dirty="0" err="1"/>
+              <a:t>ElasticSearch</a:t>
+            </a:r>
+            <a:r>
+              <a:rPr lang="en-US" sz="2000" dirty="0"/>
               <a:t>. </a:t>
             </a:r>
           </a:p>
           <a:p>
             <a:r>
-              <a:rPr lang="en-US" sz="2000" dirty="0" smtClean="0"/>
-              <a:t>Brief role at startup (Degreed). SQL Azure, .NET, </a:t>
-            </a:r>
-            <a:r>
-              <a:rPr lang="en-US" sz="2000" dirty="0" err="1" smtClean="0"/>
-              <a:t>ElasticSearch</a:t>
-            </a:r>
-            <a:r>
-              <a:rPr lang="en-US" sz="2000" dirty="0" smtClean="0"/>
-              <a:t>. </a:t>
-            </a:r>
-          </a:p>
-          <a:p>
-            <a:r>
-              <a:rPr lang="en-US" sz="2000" dirty="0" smtClean="0"/>
-              <a:t>Married with 4 kids. Cache Valley Native.</a:t>
-            </a:r>
-          </a:p>
-          <a:p>
-            <a:r>
-              <a:rPr lang="en-US" sz="2000" dirty="0" smtClean="0"/>
+              <a:rPr lang="en-US" sz="2000" dirty="0"/>
+              <a:t>Married with 4 kids. </a:t>
+            </a:r>
+          </a:p>
+          <a:p>
+            <a:r>
+              <a:rPr lang="en-US" sz="2000" dirty="0"/>
               <a:t>I love extreme weather, and love hanging out with my family. </a:t>
             </a:r>
           </a:p>
@@ -6056,10 +5760,9 @@
           <a:lstStyle/>
           <a:p>
             <a:r>
-              <a:rPr lang="en-US" dirty="0" smtClean="0"/>
+              <a:rPr lang="en-US" dirty="0"/>
               <a:t>Syllabus Information</a:t>
             </a:r>
-            <a:endParaRPr lang="en-US" dirty="0"/>
           </a:p>
         </p:txBody>
       </p:sp>
@@ -6083,7 +5786,7 @@
               <a:buChar char="ü"/>
             </a:pPr>
             <a:r>
-              <a:rPr lang="en-US" sz="2000" dirty="0" smtClean="0"/>
+              <a:rPr lang="en-US" sz="2000" dirty="0"/>
               <a:t>Syllabus</a:t>
             </a:r>
           </a:p>
@@ -6093,7 +5796,7 @@
               <a:buChar char="ü"/>
             </a:pPr>
             <a:r>
-              <a:rPr lang="en-US" sz="2000" dirty="0" smtClean="0"/>
+              <a:rPr lang="en-US" sz="2000" dirty="0"/>
               <a:t>Instructor &amp; Course Information</a:t>
             </a:r>
           </a:p>
@@ -6103,7 +5806,7 @@
               <a:buChar char="ü"/>
             </a:pPr>
             <a:r>
-              <a:rPr lang="en-US" sz="2000" dirty="0" smtClean="0"/>
+              <a:rPr lang="en-US" sz="2000" dirty="0"/>
               <a:t>Introduction</a:t>
             </a:r>
           </a:p>
@@ -6113,7 +5816,7 @@
               <a:buChar char="ü"/>
             </a:pPr>
             <a:r>
-              <a:rPr lang="en-US" sz="2000" dirty="0" smtClean="0"/>
+              <a:rPr lang="en-US" sz="2000" dirty="0"/>
               <a:t>Required Materials</a:t>
             </a:r>
           </a:p>
@@ -6123,7 +5826,7 @@
               <a:buChar char="ü"/>
             </a:pPr>
             <a:r>
-              <a:rPr lang="en-US" sz="2000" dirty="0" smtClean="0"/>
+              <a:rPr lang="en-US" sz="2000" dirty="0"/>
               <a:t>Course Approach</a:t>
             </a:r>
           </a:p>
@@ -6133,7 +5836,7 @@
               <a:buChar char="ü"/>
             </a:pPr>
             <a:r>
-              <a:rPr lang="en-US" sz="2000" dirty="0" smtClean="0"/>
+              <a:rPr lang="en-US" sz="2000" dirty="0"/>
               <a:t>Grading</a:t>
             </a:r>
           </a:p>
@@ -6143,7 +5846,7 @@
               <a:buChar char="ü"/>
             </a:pPr>
             <a:r>
-              <a:rPr lang="en-US" sz="2000" dirty="0" smtClean="0"/>
+              <a:rPr lang="en-US" sz="2000" dirty="0"/>
               <a:t>Canvas</a:t>
             </a:r>
           </a:p>
@@ -6153,7 +5856,7 @@
               <a:buChar char="ü"/>
             </a:pPr>
             <a:r>
-              <a:rPr lang="en-US" sz="2000" dirty="0" smtClean="0"/>
+              <a:rPr lang="en-US" sz="2000" dirty="0"/>
               <a:t>Email</a:t>
             </a:r>
           </a:p>
@@ -6163,7 +5866,7 @@
               <a:buChar char="ü"/>
             </a:pPr>
             <a:r>
-              <a:rPr lang="en-US" sz="2000" dirty="0" smtClean="0"/>
+              <a:rPr lang="en-US" sz="2000" dirty="0"/>
               <a:t>Announcements</a:t>
             </a:r>
           </a:p>
@@ -6173,7 +5876,7 @@
               <a:buChar char="ü"/>
             </a:pPr>
             <a:r>
-              <a:rPr lang="en-US" sz="2000" dirty="0" smtClean="0"/>
+              <a:rPr lang="en-US" sz="2000" dirty="0"/>
               <a:t>Assignments / Exams / Project</a:t>
             </a:r>
           </a:p>
@@ -6183,10 +5886,9 @@
               <a:buChar char="ü"/>
             </a:pPr>
             <a:r>
-              <a:rPr lang="en-US" sz="2000" dirty="0" smtClean="0"/>
+              <a:rPr lang="en-US" sz="2000" dirty="0"/>
               <a:t>Discussions</a:t>
             </a:r>
-            <a:endParaRPr lang="en-US" sz="2000" dirty="0"/>
           </a:p>
         </p:txBody>
       </p:sp>
@@ -6236,10 +5938,9 @@
           <a:lstStyle/>
           <a:p>
             <a:r>
-              <a:rPr lang="en-US" dirty="0" smtClean="0"/>
+              <a:rPr lang="en-US" dirty="0"/>
               <a:t>What You Should Learn From This Class</a:t>
             </a:r>
-            <a:endParaRPr lang="en-US" dirty="0"/>
           </a:p>
         </p:txBody>
       </p:sp>
@@ -6268,27 +5969,27 @@
               <a:buChar char="ü"/>
             </a:pPr>
             <a:r>
-              <a:rPr lang="en-US" sz="2000" b="1" dirty="0" smtClean="0"/>
+              <a:rPr lang="en-US" sz="2000" b="1" dirty="0"/>
               <a:t>What</a:t>
             </a:r>
             <a:r>
-              <a:rPr lang="en-US" sz="2000" dirty="0" smtClean="0"/>
+              <a:rPr lang="en-US" sz="2000" dirty="0"/>
               <a:t> Python is, </a:t>
             </a:r>
             <a:r>
-              <a:rPr lang="en-US" sz="2000" b="1" dirty="0" smtClean="0"/>
+              <a:rPr lang="en-US" sz="2000" b="1" dirty="0"/>
               <a:t>Where</a:t>
             </a:r>
             <a:r>
-              <a:rPr lang="en-US" sz="2000" dirty="0" smtClean="0"/>
+              <a:rPr lang="en-US" sz="2000" dirty="0"/>
               <a:t> Python is used, </a:t>
             </a:r>
             <a:r>
-              <a:rPr lang="en-US" sz="2000" b="1" dirty="0" smtClean="0"/>
+              <a:rPr lang="en-US" sz="2000" b="1" dirty="0"/>
               <a:t>How</a:t>
             </a:r>
             <a:r>
-              <a:rPr lang="en-US" sz="2000" dirty="0" smtClean="0"/>
+              <a:rPr lang="en-US" sz="2000" dirty="0"/>
               <a:t> to use Python.</a:t>
             </a:r>
           </a:p>
@@ -6296,7 +5997,7 @@
             <a:pPr marL="0" indent="0">
               <a:buNone/>
             </a:pPr>
-            <a:endParaRPr lang="en-US" sz="2000" dirty="0" smtClean="0"/>
+            <a:endParaRPr lang="en-US" sz="2000" dirty="0"/>
           </a:p>
           <a:p>
             <a:pPr>
@@ -6304,7 +6005,7 @@
               <a:buChar char="ü"/>
             </a:pPr>
             <a:r>
-              <a:rPr lang="en-US" sz="2000" dirty="0" smtClean="0"/>
+              <a:rPr lang="en-US" sz="2000" dirty="0"/>
               <a:t>Fundamentals of programming with Python.</a:t>
             </a:r>
           </a:p>
@@ -6312,7 +6013,7 @@
             <a:pPr marL="0" indent="0">
               <a:buNone/>
             </a:pPr>
-            <a:endParaRPr lang="en-US" sz="2000" dirty="0" smtClean="0"/>
+            <a:endParaRPr lang="en-US" sz="2000" dirty="0"/>
           </a:p>
           <a:p>
             <a:pPr>
@@ -6320,7 +6021,7 @@
               <a:buChar char="ü"/>
             </a:pPr>
             <a:r>
-              <a:rPr lang="en-US" sz="2000" dirty="0" smtClean="0"/>
+              <a:rPr lang="en-US" sz="2000" dirty="0"/>
               <a:t>Applied use of Python to </a:t>
             </a:r>
           </a:p>
@@ -6330,8 +6031,8 @@
               <a:buChar char="ü"/>
             </a:pPr>
             <a:r>
-              <a:rPr lang="en-US" sz="2000" dirty="0" smtClean="0"/>
-              <a:t>Acquire data via other API’s</a:t>
+              <a:rPr lang="en-US" sz="2000" dirty="0"/>
+              <a:t>Acquire data via other API’s, and various file types</a:t>
             </a:r>
           </a:p>
           <a:p>
@@ -6340,8 +6041,8 @@
               <a:buChar char="ü"/>
             </a:pPr>
             <a:r>
-              <a:rPr lang="en-US" sz="2000" dirty="0" smtClean="0"/>
-              <a:t>Acquire data through web scraping</a:t>
+              <a:rPr lang="en-US" sz="2000" dirty="0"/>
+              <a:t>Persist Data using a DBMS and Python Client</a:t>
             </a:r>
           </a:p>
           <a:p>
@@ -6350,8 +6051,26 @@
               <a:buChar char="ü"/>
             </a:pPr>
             <a:r>
-              <a:rPr lang="en-US" sz="2000" dirty="0" smtClean="0"/>
-              <a:t>Expose Data via an API</a:t>
+              <a:rPr lang="en-US" sz="2000" dirty="0"/>
+              <a:t>Expose Data via Flask RESTful Data API</a:t>
+            </a:r>
+          </a:p>
+          <a:p>
+            <a:pPr lvl="1">
+              <a:buFont typeface="Wingdings" panose="05000000000000000000" pitchFamily="2" charset="2"/>
+              <a:buChar char="ü"/>
+            </a:pPr>
+            <a:r>
+              <a:rPr lang="en-US" sz="2000" dirty="0"/>
+              <a:t>Visualize and/or interact with Data via Flask and/or </a:t>
+            </a:r>
+            <a:r>
+              <a:rPr lang="en-US" sz="2000" dirty="0" err="1"/>
+              <a:t>Jupyter</a:t>
+            </a:r>
+            <a:r>
+              <a:rPr lang="en-US" sz="2000" dirty="0"/>
+              <a:t> Notebook</a:t>
             </a:r>
           </a:p>
           <a:p>
@@ -6359,13 +6078,13 @@
               <a:buFont typeface="Wingdings" panose="05000000000000000000" pitchFamily="2" charset="2"/>
               <a:buChar char="ü"/>
             </a:pPr>
-            <a:endParaRPr lang="en-US" sz="2000" dirty="0" smtClean="0"/>
+            <a:endParaRPr lang="en-US" sz="2000" dirty="0"/>
           </a:p>
           <a:p>
             <a:pPr marL="0" indent="0">
               <a:buNone/>
             </a:pPr>
-            <a:endParaRPr lang="en-US" dirty="0" smtClean="0"/>
+            <a:endParaRPr lang="en-US" dirty="0"/>
           </a:p>
           <a:p>
             <a:pPr marL="0" indent="0">
@@ -6451,10 +6170,9 @@
           <a:lstStyle/>
           <a:p>
             <a:r>
-              <a:rPr lang="en-US" dirty="0" smtClean="0"/>
+              <a:rPr lang="en-US" dirty="0"/>
               <a:t>What You Should Expect From This Class</a:t>
             </a:r>
-            <a:endParaRPr lang="en-US" dirty="0"/>
           </a:p>
         </p:txBody>
       </p:sp>
@@ -6478,7 +6196,7 @@
               <a:buChar char="ü"/>
             </a:pPr>
             <a:r>
-              <a:rPr lang="en-US" sz="2000" dirty="0" smtClean="0"/>
+              <a:rPr lang="en-US" sz="2000" dirty="0"/>
               <a:t>~ 4.5 hours of studying / homework per week outside of class.</a:t>
             </a:r>
           </a:p>
@@ -6488,15 +6206,15 @@
               <a:buChar char="ü"/>
             </a:pPr>
             <a:r>
-              <a:rPr lang="en-US" sz="2000" dirty="0" smtClean="0"/>
+              <a:rPr lang="en-US" sz="2000" dirty="0"/>
               <a:t>The course is intentionally </a:t>
             </a:r>
             <a:r>
-              <a:rPr lang="en-US" sz="2000" b="1" dirty="0" smtClean="0"/>
+              <a:rPr lang="en-US" sz="2000" b="1" dirty="0"/>
               <a:t>fast paced</a:t>
             </a:r>
             <a:r>
-              <a:rPr lang="en-US" sz="2000" dirty="0" smtClean="0"/>
+              <a:rPr lang="en-US" sz="2000" dirty="0"/>
               <a:t>. We will not go into every detail of either Python or API design, and as such, you will not be expected to know every detail.</a:t>
             </a:r>
           </a:p>
@@ -6506,7 +6224,7 @@
               <a:buChar char="ü"/>
             </a:pPr>
             <a:r>
-              <a:rPr lang="en-US" sz="2000" dirty="0" smtClean="0"/>
+              <a:rPr lang="en-US" sz="2000" dirty="0"/>
               <a:t>This course does expect that you have at least some familiarity with programming and some technological ability. You will be expected to install software, run commands from a command line, and other general technological tasks.</a:t>
             </a:r>
           </a:p>
@@ -6516,12 +6234,12 @@
               <a:buChar char="ü"/>
             </a:pPr>
             <a:r>
-              <a:rPr lang="en-US" sz="2000" b="1" dirty="0" smtClean="0"/>
+              <a:rPr lang="en-US" sz="2000" b="1" dirty="0"/>
               <a:t>Collaboration</a:t>
             </a:r>
             <a:r>
-              <a:rPr lang="en-US" sz="2000" dirty="0" smtClean="0"/>
-              <a:t>. As an IT professional you are never alone, so I will not expect you to work alone. However, that does not mean you can just copy from someone else and get a grade for it. </a:t>
+              <a:rPr lang="en-US" sz="2000" dirty="0"/>
+              <a:t>. As an IT professional you are never alone, so I will not expect you to work alone. However, that does not mean you can just copy from someone else and get a grade for it. If you have concerns / questions about what is / is not cheating, ask me! </a:t>
             </a:r>
           </a:p>
           <a:p>
@@ -6579,10 +6297,9 @@
           <a:lstStyle/>
           <a:p>
             <a:r>
-              <a:rPr lang="en-US" dirty="0" smtClean="0"/>
+              <a:rPr lang="en-US" dirty="0"/>
               <a:t>Questions?</a:t>
             </a:r>
-            <a:endParaRPr lang="en-US" dirty="0"/>
           </a:p>
         </p:txBody>
       </p:sp>
@@ -6605,10 +6322,9 @@
               <a:buNone/>
             </a:pPr>
             <a:r>
-              <a:rPr lang="en-US" sz="9600" dirty="0" smtClean="0"/>
+              <a:rPr lang="en-US" sz="9600" dirty="0"/>
               <a:t>?</a:t>
             </a:r>
-            <a:endParaRPr lang="en-US" sz="9600" dirty="0"/>
           </a:p>
         </p:txBody>
       </p:sp>
@@ -6658,10 +6374,9 @@
           <a:lstStyle/>
           <a:p>
             <a:r>
-              <a:rPr lang="en-US" dirty="0" smtClean="0"/>
+              <a:rPr lang="en-US" dirty="0"/>
               <a:t>Welcome Quiz!</a:t>
             </a:r>
-            <a:endParaRPr lang="en-US" dirty="0"/>
           </a:p>
         </p:txBody>
       </p:sp>
@@ -6684,10 +6399,9 @@
               <a:buNone/>
             </a:pPr>
             <a:r>
-              <a:rPr lang="en-US" dirty="0" smtClean="0"/>
+              <a:rPr lang="en-US" dirty="0"/>
               <a:t>Please take the MIS 5400 Welcome Quiz. (Canvas)</a:t>
             </a:r>
-            <a:endParaRPr lang="en-US" dirty="0"/>
           </a:p>
         </p:txBody>
       </p:sp>
